--- a/BTC_EDA_PREDICTION/BTC_EDA_PRED_Analysis.pptx
+++ b/BTC_EDA_PREDICTION/BTC_EDA_PRED_Analysis.pptx
@@ -5,7 +5,7 @@
     <p:sldMasterId id="2147483672" r:id="rId1"/>
   </p:sldMasterIdLst>
   <p:notesMasterIdLst>
-    <p:notesMasterId r:id="rId54"/>
+    <p:notesMasterId r:id="rId55"/>
   </p:notesMasterIdLst>
   <p:sldIdLst>
     <p:sldId id="352" r:id="rId2"/>
@@ -59,33 +59,34 @@
     <p:sldId id="357" r:id="rId50"/>
     <p:sldId id="364" r:id="rId51"/>
     <p:sldId id="343" r:id="rId52"/>
-    <p:sldId id="344" r:id="rId53"/>
+    <p:sldId id="365" r:id="rId53"/>
+    <p:sldId id="344" r:id="rId54"/>
   </p:sldIdLst>
   <p:sldSz cx="9144000" cy="5143500" type="screen16x9"/>
   <p:notesSz cx="6858000" cy="9144000"/>
   <p:embeddedFontLst>
     <p:embeddedFont>
       <p:font typeface="Didact Gothic" panose="00000500000000000000" pitchFamily="2" charset="0"/>
-      <p:regular r:id="rId55"/>
+      <p:regular r:id="rId56"/>
     </p:embeddedFont>
     <p:embeddedFont>
       <p:font typeface="Nunito Light" pitchFamily="2" charset="0"/>
-      <p:regular r:id="rId56"/>
-      <p:italic r:id="rId57"/>
+      <p:regular r:id="rId57"/>
+      <p:italic r:id="rId58"/>
     </p:embeddedFont>
     <p:embeddedFont>
       <p:font typeface="Sora" panose="020B0604020202020204" charset="0"/>
-      <p:regular r:id="rId58"/>
-      <p:bold r:id="rId59"/>
+      <p:regular r:id="rId59"/>
+      <p:bold r:id="rId60"/>
     </p:embeddedFont>
     <p:embeddedFont>
       <p:font typeface="Sora ExtraBold" panose="020B0604020202020204" charset="0"/>
-      <p:bold r:id="rId60"/>
+      <p:bold r:id="rId61"/>
     </p:embeddedFont>
     <p:embeddedFont>
       <p:font typeface="Tahoma" panose="020B0604030504040204" pitchFamily="34" charset="0"/>
-      <p:regular r:id="rId61"/>
-      <p:bold r:id="rId62"/>
+      <p:regular r:id="rId62"/>
+      <p:bold r:id="rId63"/>
     </p:embeddedFont>
   </p:embeddedFontLst>
   <p:defaultTextStyle>
@@ -4940,8 +4941,8 @@
   <p:clrMapOvr>
     <a:masterClrMapping/>
   </p:clrMapOvr>
-  <mc:AlternateContent xmlns:mc="http://schemas.openxmlformats.org/markup-compatibility/2006">
-    <mc:Choice xmlns:p15="http://schemas.microsoft.com/office/powerpoint/2012/main" Requires="p15">
+  <mc:AlternateContent xmlns:mc="http://schemas.openxmlformats.org/markup-compatibility/2006" xmlns:p15="http://schemas.microsoft.com/office/powerpoint/2012/main">
+    <mc:Choice Requires="p15">
       <p:transition xmlns:p14="http://schemas.microsoft.com/office/powerpoint/2010/main" spd="slow" p14:dur="5000">
         <p15:prstTrans prst="curtains"/>
         <p:sndAc>
@@ -4951,12 +4952,12 @@
         </p:sndAc>
       </p:transition>
     </mc:Choice>
-    <mc:Fallback>
+    <mc:Fallback xmlns="">
       <p:transition spd="slow">
         <p:fade/>
         <p:sndAc>
           <p:stSnd>
-            <p:snd r:embed="rId2" name="camera.wav"/>
+            <p:snd r:embed="rId4" name="camera.wav"/>
           </p:stSnd>
         </p:sndAc>
       </p:transition>
@@ -5815,6 +5816,153 @@
                       </p:childTnLst>
                     </p:cTn>
                   </p:par>
+                  <p:par>
+                    <p:cTn id="21" fill="hold">
+                      <p:stCondLst>
+                        <p:cond delay="indefinite"/>
+                      </p:stCondLst>
+                      <p:childTnLst>
+                        <p:par>
+                          <p:cTn id="22" fill="hold">
+                            <p:stCondLst>
+                              <p:cond delay="0"/>
+                            </p:stCondLst>
+                            <p:childTnLst>
+                              <p:par>
+                                <p:cTn id="23" presetID="10" presetClass="entr" presetSubtype="0" fill="hold" nodeType="clickEffect">
+                                  <p:stCondLst>
+                                    <p:cond delay="0"/>
+                                  </p:stCondLst>
+                                  <p:childTnLst>
+                                    <p:set>
+                                      <p:cBhvr>
+                                        <p:cTn id="24" dur="1" fill="hold">
+                                          <p:stCondLst>
+                                            <p:cond delay="0"/>
+                                          </p:stCondLst>
+                                        </p:cTn>
+                                        <p:tgtEl>
+                                          <p:spTgt spid="2">
+                                            <p:txEl>
+                                              <p:pRg st="0" end="0"/>
+                                            </p:txEl>
+                                          </p:spTgt>
+                                        </p:tgtEl>
+                                        <p:attrNameLst>
+                                          <p:attrName>style.visibility</p:attrName>
+                                        </p:attrNameLst>
+                                      </p:cBhvr>
+                                      <p:to>
+                                        <p:strVal val="visible"/>
+                                      </p:to>
+                                    </p:set>
+                                    <p:animEffect transition="in" filter="fade">
+                                      <p:cBhvr>
+                                        <p:cTn id="25" dur="500"/>
+                                        <p:tgtEl>
+                                          <p:spTgt spid="2">
+                                            <p:txEl>
+                                              <p:pRg st="0" end="0"/>
+                                            </p:txEl>
+                                          </p:spTgt>
+                                        </p:tgtEl>
+                                      </p:cBhvr>
+                                    </p:animEffect>
+                                  </p:childTnLst>
+                                </p:cTn>
+                              </p:par>
+                              <p:par>
+                                <p:cTn id="26" presetID="10" presetClass="entr" presetSubtype="0" fill="hold" nodeType="withEffect">
+                                  <p:stCondLst>
+                                    <p:cond delay="0"/>
+                                  </p:stCondLst>
+                                  <p:childTnLst>
+                                    <p:set>
+                                      <p:cBhvr>
+                                        <p:cTn id="27" dur="1" fill="hold">
+                                          <p:stCondLst>
+                                            <p:cond delay="0"/>
+                                          </p:stCondLst>
+                                        </p:cTn>
+                                        <p:tgtEl>
+                                          <p:spTgt spid="2">
+                                            <p:txEl>
+                                              <p:pRg st="1" end="1"/>
+                                            </p:txEl>
+                                          </p:spTgt>
+                                        </p:tgtEl>
+                                        <p:attrNameLst>
+                                          <p:attrName>style.visibility</p:attrName>
+                                        </p:attrNameLst>
+                                      </p:cBhvr>
+                                      <p:to>
+                                        <p:strVal val="visible"/>
+                                      </p:to>
+                                    </p:set>
+                                    <p:animEffect transition="in" filter="fade">
+                                      <p:cBhvr>
+                                        <p:cTn id="28" dur="500"/>
+                                        <p:tgtEl>
+                                          <p:spTgt spid="2">
+                                            <p:txEl>
+                                              <p:pRg st="1" end="1"/>
+                                            </p:txEl>
+                                          </p:spTgt>
+                                        </p:tgtEl>
+                                      </p:cBhvr>
+                                    </p:animEffect>
+                                  </p:childTnLst>
+                                </p:cTn>
+                              </p:par>
+                              <p:par>
+                                <p:cTn id="29" presetID="10" presetClass="entr" presetSubtype="0" fill="hold" nodeType="withEffect">
+                                  <p:stCondLst>
+                                    <p:cond delay="0"/>
+                                  </p:stCondLst>
+                                  <p:childTnLst>
+                                    <p:set>
+                                      <p:cBhvr>
+                                        <p:cTn id="30" dur="1" fill="hold">
+                                          <p:stCondLst>
+                                            <p:cond delay="0"/>
+                                          </p:stCondLst>
+                                        </p:cTn>
+                                        <p:tgtEl>
+                                          <p:spTgt spid="2">
+                                            <p:txEl>
+                                              <p:pRg st="2" end="2"/>
+                                            </p:txEl>
+                                          </p:spTgt>
+                                        </p:tgtEl>
+                                        <p:attrNameLst>
+                                          <p:attrName>style.visibility</p:attrName>
+                                        </p:attrNameLst>
+                                      </p:cBhvr>
+                                      <p:to>
+                                        <p:strVal val="visible"/>
+                                      </p:to>
+                                    </p:set>
+                                    <p:animEffect transition="in" filter="fade">
+                                      <p:cBhvr>
+                                        <p:cTn id="31" dur="500"/>
+                                        <p:tgtEl>
+                                          <p:spTgt spid="2">
+                                            <p:txEl>
+                                              <p:pRg st="2" end="2"/>
+                                            </p:txEl>
+                                          </p:spTgt>
+                                        </p:tgtEl>
+                                      </p:cBhvr>
+                                    </p:animEffect>
+                                  </p:childTnLst>
+                                </p:cTn>
+                              </p:par>
+                            </p:childTnLst>
+                          </p:cTn>
+                        </p:par>
+                      </p:childTnLst>
+                    </p:cTn>
+                  </p:par>
                 </p:childTnLst>
               </p:cTn>
               <p:prevCondLst>
@@ -6460,6 +6608,41 @@
                                         <p:cTn id="12" dur="500"/>
                                         <p:tgtEl>
                                           <p:spTgt spid="8"/>
+                                        </p:tgtEl>
+                                      </p:cBhvr>
+                                    </p:animEffect>
+                                  </p:childTnLst>
+                                </p:cTn>
+                              </p:par>
+                              <p:par>
+                                <p:cTn id="13" presetID="10" presetClass="entr" presetSubtype="0" fill="hold" nodeType="withEffect">
+                                  <p:stCondLst>
+                                    <p:cond delay="0"/>
+                                  </p:stCondLst>
+                                  <p:childTnLst>
+                                    <p:set>
+                                      <p:cBhvr>
+                                        <p:cTn id="14" dur="1" fill="hold">
+                                          <p:stCondLst>
+                                            <p:cond delay="0"/>
+                                          </p:stCondLst>
+                                        </p:cTn>
+                                        <p:tgtEl>
+                                          <p:spTgt spid="4"/>
+                                        </p:tgtEl>
+                                        <p:attrNameLst>
+                                          <p:attrName>style.visibility</p:attrName>
+                                        </p:attrNameLst>
+                                      </p:cBhvr>
+                                      <p:to>
+                                        <p:strVal val="visible"/>
+                                      </p:to>
+                                    </p:set>
+                                    <p:animEffect transition="in" filter="fade">
+                                      <p:cBhvr>
+                                        <p:cTn id="15" dur="500"/>
+                                        <p:tgtEl>
+                                          <p:spTgt spid="4"/>
                                         </p:tgtEl>
                                       </p:cBhvr>
                                     </p:animEffect>
@@ -7010,7 +7193,7 @@
         </p:blipFill>
         <p:spPr>
           <a:xfrm>
-            <a:off x="992813" y="867784"/>
+            <a:off x="970510" y="867784"/>
             <a:ext cx="6563641" cy="3839111"/>
           </a:xfrm>
           <a:prstGeom prst="rect">
@@ -7089,6 +7272,59 @@
                                         <p:cTn id="7" dur="500"/>
                                         <p:tgtEl>
                                           <p:spTgt spid="2"/>
+                                        </p:tgtEl>
+                                      </p:cBhvr>
+                                    </p:animEffect>
+                                  </p:childTnLst>
+                                </p:cTn>
+                              </p:par>
+                            </p:childTnLst>
+                          </p:cTn>
+                        </p:par>
+                      </p:childTnLst>
+                    </p:cTn>
+                  </p:par>
+                  <p:par>
+                    <p:cTn id="8" fill="hold">
+                      <p:stCondLst>
+                        <p:cond delay="indefinite"/>
+                      </p:stCondLst>
+                      <p:childTnLst>
+                        <p:par>
+                          <p:cTn id="9" fill="hold">
+                            <p:stCondLst>
+                              <p:cond delay="0"/>
+                            </p:stCondLst>
+                            <p:childTnLst>
+                              <p:par>
+                                <p:cTn id="10" presetID="10" presetClass="entr" presetSubtype="0" fill="hold" nodeType="clickEffect">
+                                  <p:stCondLst>
+                                    <p:cond delay="0"/>
+                                  </p:stCondLst>
+                                  <p:childTnLst>
+                                    <p:set>
+                                      <p:cBhvr>
+                                        <p:cTn id="11" dur="1" fill="hold">
+                                          <p:stCondLst>
+                                            <p:cond delay="0"/>
+                                          </p:stCondLst>
+                                        </p:cTn>
+                                        <p:tgtEl>
+                                          <p:spTgt spid="4"/>
+                                        </p:tgtEl>
+                                        <p:attrNameLst>
+                                          <p:attrName>style.visibility</p:attrName>
+                                        </p:attrNameLst>
+                                      </p:cBhvr>
+                                      <p:to>
+                                        <p:strVal val="visible"/>
+                                      </p:to>
+                                    </p:set>
+                                    <p:animEffect transition="in" filter="fade">
+                                      <p:cBhvr>
+                                        <p:cTn id="12" dur="500"/>
+                                        <p:tgtEl>
+                                          <p:spTgt spid="4"/>
                                         </p:tgtEl>
                                       </p:cBhvr>
                                     </p:animEffect>
@@ -7529,6 +7765,97 @@
                                         <p:strVal val="true"/>
                                       </p:to>
                                     </p:set>
+                                  </p:childTnLst>
+                                </p:cTn>
+                              </p:par>
+                            </p:childTnLst>
+                          </p:cTn>
+                        </p:par>
+                      </p:childTnLst>
+                    </p:cTn>
+                  </p:par>
+                  <p:par>
+                    <p:cTn id="8" fill="hold">
+                      <p:stCondLst>
+                        <p:cond delay="indefinite"/>
+                      </p:stCondLst>
+                      <p:childTnLst>
+                        <p:par>
+                          <p:cTn id="9" fill="hold">
+                            <p:stCondLst>
+                              <p:cond delay="0"/>
+                            </p:stCondLst>
+                            <p:childTnLst>
+                              <p:par>
+                                <p:cTn id="10" presetID="2" presetClass="entr" presetSubtype="4" fill="hold" nodeType="clickEffect">
+                                  <p:stCondLst>
+                                    <p:cond delay="0"/>
+                                  </p:stCondLst>
+                                  <p:childTnLst>
+                                    <p:set>
+                                      <p:cBhvr>
+                                        <p:cTn id="11" dur="1" fill="hold">
+                                          <p:stCondLst>
+                                            <p:cond delay="0"/>
+                                          </p:stCondLst>
+                                        </p:cTn>
+                                        <p:tgtEl>
+                                          <p:spTgt spid="5"/>
+                                        </p:tgtEl>
+                                        <p:attrNameLst>
+                                          <p:attrName>style.visibility</p:attrName>
+                                        </p:attrNameLst>
+                                      </p:cBhvr>
+                                      <p:to>
+                                        <p:strVal val="visible"/>
+                                      </p:to>
+                                    </p:set>
+                                    <p:anim calcmode="lin" valueType="num">
+                                      <p:cBhvr additive="base">
+                                        <p:cTn id="12" dur="500" fill="hold"/>
+                                        <p:tgtEl>
+                                          <p:spTgt spid="5"/>
+                                        </p:tgtEl>
+                                        <p:attrNameLst>
+                                          <p:attrName>ppt_x</p:attrName>
+                                        </p:attrNameLst>
+                                      </p:cBhvr>
+                                      <p:tavLst>
+                                        <p:tav tm="0">
+                                          <p:val>
+                                            <p:strVal val="#ppt_x"/>
+                                          </p:val>
+                                        </p:tav>
+                                        <p:tav tm="100000">
+                                          <p:val>
+                                            <p:strVal val="#ppt_x"/>
+                                          </p:val>
+                                        </p:tav>
+                                      </p:tavLst>
+                                    </p:anim>
+                                    <p:anim calcmode="lin" valueType="num">
+                                      <p:cBhvr additive="base">
+                                        <p:cTn id="13" dur="500" fill="hold"/>
+                                        <p:tgtEl>
+                                          <p:spTgt spid="5"/>
+                                        </p:tgtEl>
+                                        <p:attrNameLst>
+                                          <p:attrName>ppt_y</p:attrName>
+                                        </p:attrNameLst>
+                                      </p:cBhvr>
+                                      <p:tavLst>
+                                        <p:tav tm="0">
+                                          <p:val>
+                                            <p:strVal val="1+#ppt_h/2"/>
+                                          </p:val>
+                                        </p:tav>
+                                        <p:tav tm="100000">
+                                          <p:val>
+                                            <p:strVal val="#ppt_y"/>
+                                          </p:val>
+                                        </p:tav>
+                                      </p:tavLst>
+                                    </p:anim>
                                   </p:childTnLst>
                                 </p:cTn>
                               </p:par>
@@ -9591,7 +9918,7 @@
         </p:blipFill>
         <p:spPr>
           <a:xfrm>
-            <a:off x="2150964" y="850685"/>
+            <a:off x="2128661" y="850685"/>
             <a:ext cx="4342953" cy="4087851"/>
           </a:xfrm>
           <a:prstGeom prst="rect">
@@ -9673,6 +10000,105 @@
                                         </p:tgtEl>
                                       </p:cBhvr>
                                     </p:animEffect>
+                                  </p:childTnLst>
+                                </p:cTn>
+                              </p:par>
+                            </p:childTnLst>
+                          </p:cTn>
+                        </p:par>
+                      </p:childTnLst>
+                    </p:cTn>
+                  </p:par>
+                  <p:par>
+                    <p:cTn id="8" fill="hold">
+                      <p:stCondLst>
+                        <p:cond delay="indefinite"/>
+                      </p:stCondLst>
+                      <p:childTnLst>
+                        <p:par>
+                          <p:cTn id="9" fill="hold">
+                            <p:stCondLst>
+                              <p:cond delay="0"/>
+                            </p:stCondLst>
+                            <p:childTnLst>
+                              <p:par>
+                                <p:cTn id="10" presetID="42" presetClass="entr" presetSubtype="0" fill="hold" nodeType="clickEffect">
+                                  <p:stCondLst>
+                                    <p:cond delay="0"/>
+                                  </p:stCondLst>
+                                  <p:childTnLst>
+                                    <p:set>
+                                      <p:cBhvr>
+                                        <p:cTn id="11" dur="1" fill="hold">
+                                          <p:stCondLst>
+                                            <p:cond delay="0"/>
+                                          </p:stCondLst>
+                                        </p:cTn>
+                                        <p:tgtEl>
+                                          <p:spTgt spid="5"/>
+                                        </p:tgtEl>
+                                        <p:attrNameLst>
+                                          <p:attrName>style.visibility</p:attrName>
+                                        </p:attrNameLst>
+                                      </p:cBhvr>
+                                      <p:to>
+                                        <p:strVal val="visible"/>
+                                      </p:to>
+                                    </p:set>
+                                    <p:animEffect transition="in" filter="fade">
+                                      <p:cBhvr>
+                                        <p:cTn id="12" dur="1000"/>
+                                        <p:tgtEl>
+                                          <p:spTgt spid="5"/>
+                                        </p:tgtEl>
+                                      </p:cBhvr>
+                                    </p:animEffect>
+                                    <p:anim calcmode="lin" valueType="num">
+                                      <p:cBhvr>
+                                        <p:cTn id="13" dur="1000" fill="hold"/>
+                                        <p:tgtEl>
+                                          <p:spTgt spid="5"/>
+                                        </p:tgtEl>
+                                        <p:attrNameLst>
+                                          <p:attrName>ppt_x</p:attrName>
+                                        </p:attrNameLst>
+                                      </p:cBhvr>
+                                      <p:tavLst>
+                                        <p:tav tm="0">
+                                          <p:val>
+                                            <p:strVal val="#ppt_x"/>
+                                          </p:val>
+                                        </p:tav>
+                                        <p:tav tm="100000">
+                                          <p:val>
+                                            <p:strVal val="#ppt_x"/>
+                                          </p:val>
+                                        </p:tav>
+                                      </p:tavLst>
+                                    </p:anim>
+                                    <p:anim calcmode="lin" valueType="num">
+                                      <p:cBhvr>
+                                        <p:cTn id="14" dur="1000" fill="hold"/>
+                                        <p:tgtEl>
+                                          <p:spTgt spid="5"/>
+                                        </p:tgtEl>
+                                        <p:attrNameLst>
+                                          <p:attrName>ppt_y</p:attrName>
+                                        </p:attrNameLst>
+                                      </p:cBhvr>
+                                      <p:tavLst>
+                                        <p:tav tm="0">
+                                          <p:val>
+                                            <p:strVal val="#ppt_y+.1"/>
+                                          </p:val>
+                                        </p:tav>
+                                        <p:tav tm="100000">
+                                          <p:val>
+                                            <p:strVal val="#ppt_y"/>
+                                          </p:val>
+                                        </p:tav>
+                                      </p:tavLst>
+                                    </p:anim>
                                   </p:childTnLst>
                                 </p:cTn>
                               </p:par>
@@ -10436,6 +10862,276 @@
   <p:clrMapOvr>
     <a:masterClrMapping/>
   </p:clrMapOvr>
+  <p:timing>
+    <p:tnLst>
+      <p:par>
+        <p:cTn id="1" dur="indefinite" restart="never" nodeType="tmRoot">
+          <p:childTnLst>
+            <p:seq concurrent="1" nextAc="seek">
+              <p:cTn id="2" dur="indefinite" nodeType="mainSeq">
+                <p:childTnLst>
+                  <p:par>
+                    <p:cTn id="3" fill="hold">
+                      <p:stCondLst>
+                        <p:cond delay="indefinite"/>
+                      </p:stCondLst>
+                      <p:childTnLst>
+                        <p:par>
+                          <p:cTn id="4" fill="hold">
+                            <p:stCondLst>
+                              <p:cond delay="0"/>
+                            </p:stCondLst>
+                            <p:childTnLst>
+                              <p:par>
+                                <p:cTn id="5" presetID="2" presetClass="entr" presetSubtype="4" fill="hold" grpId="0" nodeType="clickEffect">
+                                  <p:stCondLst>
+                                    <p:cond delay="0"/>
+                                  </p:stCondLst>
+                                  <p:childTnLst>
+                                    <p:set>
+                                      <p:cBhvr>
+                                        <p:cTn id="6" dur="1" fill="hold">
+                                          <p:stCondLst>
+                                            <p:cond delay="0"/>
+                                          </p:stCondLst>
+                                        </p:cTn>
+                                        <p:tgtEl>
+                                          <p:spTgt spid="2"/>
+                                        </p:tgtEl>
+                                        <p:attrNameLst>
+                                          <p:attrName>style.visibility</p:attrName>
+                                        </p:attrNameLst>
+                                      </p:cBhvr>
+                                      <p:to>
+                                        <p:strVal val="visible"/>
+                                      </p:to>
+                                    </p:set>
+                                    <p:anim calcmode="lin" valueType="num">
+                                      <p:cBhvr additive="base">
+                                        <p:cTn id="7" dur="500" fill="hold"/>
+                                        <p:tgtEl>
+                                          <p:spTgt spid="2"/>
+                                        </p:tgtEl>
+                                        <p:attrNameLst>
+                                          <p:attrName>ppt_x</p:attrName>
+                                        </p:attrNameLst>
+                                      </p:cBhvr>
+                                      <p:tavLst>
+                                        <p:tav tm="0">
+                                          <p:val>
+                                            <p:strVal val="#ppt_x"/>
+                                          </p:val>
+                                        </p:tav>
+                                        <p:tav tm="100000">
+                                          <p:val>
+                                            <p:strVal val="#ppt_x"/>
+                                          </p:val>
+                                        </p:tav>
+                                      </p:tavLst>
+                                    </p:anim>
+                                    <p:anim calcmode="lin" valueType="num">
+                                      <p:cBhvr additive="base">
+                                        <p:cTn id="8" dur="500" fill="hold"/>
+                                        <p:tgtEl>
+                                          <p:spTgt spid="2"/>
+                                        </p:tgtEl>
+                                        <p:attrNameLst>
+                                          <p:attrName>ppt_y</p:attrName>
+                                        </p:attrNameLst>
+                                      </p:cBhvr>
+                                      <p:tavLst>
+                                        <p:tav tm="0">
+                                          <p:val>
+                                            <p:strVal val="1+#ppt_h/2"/>
+                                          </p:val>
+                                        </p:tav>
+                                        <p:tav tm="100000">
+                                          <p:val>
+                                            <p:strVal val="#ppt_y"/>
+                                          </p:val>
+                                        </p:tav>
+                                      </p:tavLst>
+                                    </p:anim>
+                                  </p:childTnLst>
+                                </p:cTn>
+                              </p:par>
+                              <p:par>
+                                <p:cTn id="9" presetID="2" presetClass="entr" presetSubtype="4" fill="hold" nodeType="withEffect">
+                                  <p:stCondLst>
+                                    <p:cond delay="0"/>
+                                  </p:stCondLst>
+                                  <p:childTnLst>
+                                    <p:set>
+                                      <p:cBhvr>
+                                        <p:cTn id="10" dur="1" fill="hold">
+                                          <p:stCondLst>
+                                            <p:cond delay="0"/>
+                                          </p:stCondLst>
+                                        </p:cTn>
+                                        <p:tgtEl>
+                                          <p:spTgt spid="4"/>
+                                        </p:tgtEl>
+                                        <p:attrNameLst>
+                                          <p:attrName>style.visibility</p:attrName>
+                                        </p:attrNameLst>
+                                      </p:cBhvr>
+                                      <p:to>
+                                        <p:strVal val="visible"/>
+                                      </p:to>
+                                    </p:set>
+                                    <p:anim calcmode="lin" valueType="num">
+                                      <p:cBhvr additive="base">
+                                        <p:cTn id="11" dur="500" fill="hold"/>
+                                        <p:tgtEl>
+                                          <p:spTgt spid="4"/>
+                                        </p:tgtEl>
+                                        <p:attrNameLst>
+                                          <p:attrName>ppt_x</p:attrName>
+                                        </p:attrNameLst>
+                                      </p:cBhvr>
+                                      <p:tavLst>
+                                        <p:tav tm="0">
+                                          <p:val>
+                                            <p:strVal val="#ppt_x"/>
+                                          </p:val>
+                                        </p:tav>
+                                        <p:tav tm="100000">
+                                          <p:val>
+                                            <p:strVal val="#ppt_x"/>
+                                          </p:val>
+                                        </p:tav>
+                                      </p:tavLst>
+                                    </p:anim>
+                                    <p:anim calcmode="lin" valueType="num">
+                                      <p:cBhvr additive="base">
+                                        <p:cTn id="12" dur="500" fill="hold"/>
+                                        <p:tgtEl>
+                                          <p:spTgt spid="4"/>
+                                        </p:tgtEl>
+                                        <p:attrNameLst>
+                                          <p:attrName>ppt_y</p:attrName>
+                                        </p:attrNameLst>
+                                      </p:cBhvr>
+                                      <p:tavLst>
+                                        <p:tav tm="0">
+                                          <p:val>
+                                            <p:strVal val="1+#ppt_h/2"/>
+                                          </p:val>
+                                        </p:tav>
+                                        <p:tav tm="100000">
+                                          <p:val>
+                                            <p:strVal val="#ppt_y"/>
+                                          </p:val>
+                                        </p:tav>
+                                      </p:tavLst>
+                                    </p:anim>
+                                  </p:childTnLst>
+                                </p:cTn>
+                              </p:par>
+                              <p:par>
+                                <p:cTn id="13" presetID="2" presetClass="entr" presetSubtype="4" fill="hold" nodeType="withEffect">
+                                  <p:stCondLst>
+                                    <p:cond delay="0"/>
+                                  </p:stCondLst>
+                                  <p:childTnLst>
+                                    <p:set>
+                                      <p:cBhvr>
+                                        <p:cTn id="14" dur="1" fill="hold">
+                                          <p:stCondLst>
+                                            <p:cond delay="0"/>
+                                          </p:stCondLst>
+                                        </p:cTn>
+                                        <p:tgtEl>
+                                          <p:spTgt spid="6"/>
+                                        </p:tgtEl>
+                                        <p:attrNameLst>
+                                          <p:attrName>style.visibility</p:attrName>
+                                        </p:attrNameLst>
+                                      </p:cBhvr>
+                                      <p:to>
+                                        <p:strVal val="visible"/>
+                                      </p:to>
+                                    </p:set>
+                                    <p:anim calcmode="lin" valueType="num">
+                                      <p:cBhvr additive="base">
+                                        <p:cTn id="15" dur="500" fill="hold"/>
+                                        <p:tgtEl>
+                                          <p:spTgt spid="6"/>
+                                        </p:tgtEl>
+                                        <p:attrNameLst>
+                                          <p:attrName>ppt_x</p:attrName>
+                                        </p:attrNameLst>
+                                      </p:cBhvr>
+                                      <p:tavLst>
+                                        <p:tav tm="0">
+                                          <p:val>
+                                            <p:strVal val="#ppt_x"/>
+                                          </p:val>
+                                        </p:tav>
+                                        <p:tav tm="100000">
+                                          <p:val>
+                                            <p:strVal val="#ppt_x"/>
+                                          </p:val>
+                                        </p:tav>
+                                      </p:tavLst>
+                                    </p:anim>
+                                    <p:anim calcmode="lin" valueType="num">
+                                      <p:cBhvr additive="base">
+                                        <p:cTn id="16" dur="500" fill="hold"/>
+                                        <p:tgtEl>
+                                          <p:spTgt spid="6"/>
+                                        </p:tgtEl>
+                                        <p:attrNameLst>
+                                          <p:attrName>ppt_y</p:attrName>
+                                        </p:attrNameLst>
+                                      </p:cBhvr>
+                                      <p:tavLst>
+                                        <p:tav tm="0">
+                                          <p:val>
+                                            <p:strVal val="1+#ppt_h/2"/>
+                                          </p:val>
+                                        </p:tav>
+                                        <p:tav tm="100000">
+                                          <p:val>
+                                            <p:strVal val="#ppt_y"/>
+                                          </p:val>
+                                        </p:tav>
+                                      </p:tavLst>
+                                    </p:anim>
+                                  </p:childTnLst>
+                                </p:cTn>
+                              </p:par>
+                            </p:childTnLst>
+                          </p:cTn>
+                        </p:par>
+                      </p:childTnLst>
+                    </p:cTn>
+                  </p:par>
+                </p:childTnLst>
+              </p:cTn>
+              <p:prevCondLst>
+                <p:cond evt="onPrev" delay="0">
+                  <p:tgtEl>
+                    <p:sldTgt/>
+                  </p:tgtEl>
+                </p:cond>
+              </p:prevCondLst>
+              <p:nextCondLst>
+                <p:cond evt="onNext" delay="0">
+                  <p:tgtEl>
+                    <p:sldTgt/>
+                  </p:tgtEl>
+                </p:cond>
+              </p:nextCondLst>
+            </p:seq>
+          </p:childTnLst>
+        </p:cTn>
+      </p:par>
+    </p:tnLst>
+    <p:bldLst>
+      <p:bldP spid="2" grpId="0"/>
+    </p:bldLst>
+  </p:timing>
 </p:sld>
 </file>
 
@@ -11038,6 +11734,203 @@
   <p:clrMapOvr>
     <a:masterClrMapping/>
   </p:clrMapOvr>
+  <p:timing>
+    <p:tnLst>
+      <p:par>
+        <p:cTn id="1" dur="indefinite" restart="never" nodeType="tmRoot">
+          <p:childTnLst>
+            <p:seq concurrent="1" nextAc="seek">
+              <p:cTn id="2" dur="indefinite" nodeType="mainSeq">
+                <p:childTnLst>
+                  <p:par>
+                    <p:cTn id="3" fill="hold">
+                      <p:stCondLst>
+                        <p:cond delay="indefinite"/>
+                      </p:stCondLst>
+                      <p:childTnLst>
+                        <p:par>
+                          <p:cTn id="4" fill="hold">
+                            <p:stCondLst>
+                              <p:cond delay="0"/>
+                            </p:stCondLst>
+                            <p:childTnLst>
+                              <p:par>
+                                <p:cTn id="5" presetID="2" presetClass="entr" presetSubtype="4" fill="hold" grpId="0" nodeType="clickEffect">
+                                  <p:stCondLst>
+                                    <p:cond delay="0"/>
+                                  </p:stCondLst>
+                                  <p:childTnLst>
+                                    <p:set>
+                                      <p:cBhvr>
+                                        <p:cTn id="6" dur="1" fill="hold">
+                                          <p:stCondLst>
+                                            <p:cond delay="0"/>
+                                          </p:stCondLst>
+                                        </p:cTn>
+                                        <p:tgtEl>
+                                          <p:spTgt spid="2"/>
+                                        </p:tgtEl>
+                                        <p:attrNameLst>
+                                          <p:attrName>style.visibility</p:attrName>
+                                        </p:attrNameLst>
+                                      </p:cBhvr>
+                                      <p:to>
+                                        <p:strVal val="visible"/>
+                                      </p:to>
+                                    </p:set>
+                                    <p:anim calcmode="lin" valueType="num">
+                                      <p:cBhvr additive="base">
+                                        <p:cTn id="7" dur="500" fill="hold"/>
+                                        <p:tgtEl>
+                                          <p:spTgt spid="2"/>
+                                        </p:tgtEl>
+                                        <p:attrNameLst>
+                                          <p:attrName>ppt_x</p:attrName>
+                                        </p:attrNameLst>
+                                      </p:cBhvr>
+                                      <p:tavLst>
+                                        <p:tav tm="0">
+                                          <p:val>
+                                            <p:strVal val="#ppt_x"/>
+                                          </p:val>
+                                        </p:tav>
+                                        <p:tav tm="100000">
+                                          <p:val>
+                                            <p:strVal val="#ppt_x"/>
+                                          </p:val>
+                                        </p:tav>
+                                      </p:tavLst>
+                                    </p:anim>
+                                    <p:anim calcmode="lin" valueType="num">
+                                      <p:cBhvr additive="base">
+                                        <p:cTn id="8" dur="500" fill="hold"/>
+                                        <p:tgtEl>
+                                          <p:spTgt spid="2"/>
+                                        </p:tgtEl>
+                                        <p:attrNameLst>
+                                          <p:attrName>ppt_y</p:attrName>
+                                        </p:attrNameLst>
+                                      </p:cBhvr>
+                                      <p:tavLst>
+                                        <p:tav tm="0">
+                                          <p:val>
+                                            <p:strVal val="1+#ppt_h/2"/>
+                                          </p:val>
+                                        </p:tav>
+                                        <p:tav tm="100000">
+                                          <p:val>
+                                            <p:strVal val="#ppt_y"/>
+                                          </p:val>
+                                        </p:tav>
+                                      </p:tavLst>
+                                    </p:anim>
+                                  </p:childTnLst>
+                                </p:cTn>
+                              </p:par>
+                              <p:par>
+                                <p:cTn id="9" presetID="2" presetClass="entr" presetSubtype="4" fill="hold" nodeType="withEffect">
+                                  <p:stCondLst>
+                                    <p:cond delay="0"/>
+                                  </p:stCondLst>
+                                  <p:childTnLst>
+                                    <p:set>
+                                      <p:cBhvr>
+                                        <p:cTn id="10" dur="1" fill="hold">
+                                          <p:stCondLst>
+                                            <p:cond delay="0"/>
+                                          </p:stCondLst>
+                                        </p:cTn>
+                                        <p:tgtEl>
+                                          <p:spTgt spid="6"/>
+                                        </p:tgtEl>
+                                        <p:attrNameLst>
+                                          <p:attrName>style.visibility</p:attrName>
+                                        </p:attrNameLst>
+                                      </p:cBhvr>
+                                      <p:to>
+                                        <p:strVal val="visible"/>
+                                      </p:to>
+                                    </p:set>
+                                    <p:anim calcmode="lin" valueType="num">
+                                      <p:cBhvr additive="base">
+                                        <p:cTn id="11" dur="500" fill="hold"/>
+                                        <p:tgtEl>
+                                          <p:spTgt spid="6"/>
+                                        </p:tgtEl>
+                                        <p:attrNameLst>
+                                          <p:attrName>ppt_x</p:attrName>
+                                        </p:attrNameLst>
+                                      </p:cBhvr>
+                                      <p:tavLst>
+                                        <p:tav tm="0">
+                                          <p:val>
+                                            <p:strVal val="#ppt_x"/>
+                                          </p:val>
+                                        </p:tav>
+                                        <p:tav tm="100000">
+                                          <p:val>
+                                            <p:strVal val="#ppt_x"/>
+                                          </p:val>
+                                        </p:tav>
+                                      </p:tavLst>
+                                    </p:anim>
+                                    <p:anim calcmode="lin" valueType="num">
+                                      <p:cBhvr additive="base">
+                                        <p:cTn id="12" dur="500" fill="hold"/>
+                                        <p:tgtEl>
+                                          <p:spTgt spid="6"/>
+                                        </p:tgtEl>
+                                        <p:attrNameLst>
+                                          <p:attrName>ppt_y</p:attrName>
+                                        </p:attrNameLst>
+                                      </p:cBhvr>
+                                      <p:tavLst>
+                                        <p:tav tm="0">
+                                          <p:val>
+                                            <p:strVal val="1+#ppt_h/2"/>
+                                          </p:val>
+                                        </p:tav>
+                                        <p:tav tm="100000">
+                                          <p:val>
+                                            <p:strVal val="#ppt_y"/>
+                                          </p:val>
+                                        </p:tav>
+                                      </p:tavLst>
+                                    </p:anim>
+                                  </p:childTnLst>
+                                </p:cTn>
+                              </p:par>
+                            </p:childTnLst>
+                          </p:cTn>
+                        </p:par>
+                      </p:childTnLst>
+                    </p:cTn>
+                  </p:par>
+                </p:childTnLst>
+              </p:cTn>
+              <p:prevCondLst>
+                <p:cond evt="onPrev" delay="0">
+                  <p:tgtEl>
+                    <p:sldTgt/>
+                  </p:tgtEl>
+                </p:cond>
+              </p:prevCondLst>
+              <p:nextCondLst>
+                <p:cond evt="onNext" delay="0">
+                  <p:tgtEl>
+                    <p:sldTgt/>
+                  </p:tgtEl>
+                </p:cond>
+              </p:nextCondLst>
+            </p:seq>
+          </p:childTnLst>
+        </p:cTn>
+      </p:par>
+    </p:tnLst>
+    <p:bldLst>
+      <p:bldP spid="2" grpId="0"/>
+    </p:bldLst>
+  </p:timing>
 </p:sld>
 </file>
 
@@ -11131,6 +12024,203 @@
   <p:clrMapOvr>
     <a:masterClrMapping/>
   </p:clrMapOvr>
+  <p:timing>
+    <p:tnLst>
+      <p:par>
+        <p:cTn id="1" dur="indefinite" restart="never" nodeType="tmRoot">
+          <p:childTnLst>
+            <p:seq concurrent="1" nextAc="seek">
+              <p:cTn id="2" dur="indefinite" nodeType="mainSeq">
+                <p:childTnLst>
+                  <p:par>
+                    <p:cTn id="3" fill="hold">
+                      <p:stCondLst>
+                        <p:cond delay="indefinite"/>
+                      </p:stCondLst>
+                      <p:childTnLst>
+                        <p:par>
+                          <p:cTn id="4" fill="hold">
+                            <p:stCondLst>
+                              <p:cond delay="0"/>
+                            </p:stCondLst>
+                            <p:childTnLst>
+                              <p:par>
+                                <p:cTn id="5" presetID="2" presetClass="entr" presetSubtype="4" fill="hold" grpId="0" nodeType="clickEffect">
+                                  <p:stCondLst>
+                                    <p:cond delay="0"/>
+                                  </p:stCondLst>
+                                  <p:childTnLst>
+                                    <p:set>
+                                      <p:cBhvr>
+                                        <p:cTn id="6" dur="1" fill="hold">
+                                          <p:stCondLst>
+                                            <p:cond delay="0"/>
+                                          </p:stCondLst>
+                                        </p:cTn>
+                                        <p:tgtEl>
+                                          <p:spTgt spid="2"/>
+                                        </p:tgtEl>
+                                        <p:attrNameLst>
+                                          <p:attrName>style.visibility</p:attrName>
+                                        </p:attrNameLst>
+                                      </p:cBhvr>
+                                      <p:to>
+                                        <p:strVal val="visible"/>
+                                      </p:to>
+                                    </p:set>
+                                    <p:anim calcmode="lin" valueType="num">
+                                      <p:cBhvr additive="base">
+                                        <p:cTn id="7" dur="500" fill="hold"/>
+                                        <p:tgtEl>
+                                          <p:spTgt spid="2"/>
+                                        </p:tgtEl>
+                                        <p:attrNameLst>
+                                          <p:attrName>ppt_x</p:attrName>
+                                        </p:attrNameLst>
+                                      </p:cBhvr>
+                                      <p:tavLst>
+                                        <p:tav tm="0">
+                                          <p:val>
+                                            <p:strVal val="#ppt_x"/>
+                                          </p:val>
+                                        </p:tav>
+                                        <p:tav tm="100000">
+                                          <p:val>
+                                            <p:strVal val="#ppt_x"/>
+                                          </p:val>
+                                        </p:tav>
+                                      </p:tavLst>
+                                    </p:anim>
+                                    <p:anim calcmode="lin" valueType="num">
+                                      <p:cBhvr additive="base">
+                                        <p:cTn id="8" dur="500" fill="hold"/>
+                                        <p:tgtEl>
+                                          <p:spTgt spid="2"/>
+                                        </p:tgtEl>
+                                        <p:attrNameLst>
+                                          <p:attrName>ppt_y</p:attrName>
+                                        </p:attrNameLst>
+                                      </p:cBhvr>
+                                      <p:tavLst>
+                                        <p:tav tm="0">
+                                          <p:val>
+                                            <p:strVal val="1+#ppt_h/2"/>
+                                          </p:val>
+                                        </p:tav>
+                                        <p:tav tm="100000">
+                                          <p:val>
+                                            <p:strVal val="#ppt_y"/>
+                                          </p:val>
+                                        </p:tav>
+                                      </p:tavLst>
+                                    </p:anim>
+                                  </p:childTnLst>
+                                </p:cTn>
+                              </p:par>
+                              <p:par>
+                                <p:cTn id="9" presetID="2" presetClass="entr" presetSubtype="4" fill="hold" nodeType="withEffect">
+                                  <p:stCondLst>
+                                    <p:cond delay="0"/>
+                                  </p:stCondLst>
+                                  <p:childTnLst>
+                                    <p:set>
+                                      <p:cBhvr>
+                                        <p:cTn id="10" dur="1" fill="hold">
+                                          <p:stCondLst>
+                                            <p:cond delay="0"/>
+                                          </p:stCondLst>
+                                        </p:cTn>
+                                        <p:tgtEl>
+                                          <p:spTgt spid="4"/>
+                                        </p:tgtEl>
+                                        <p:attrNameLst>
+                                          <p:attrName>style.visibility</p:attrName>
+                                        </p:attrNameLst>
+                                      </p:cBhvr>
+                                      <p:to>
+                                        <p:strVal val="visible"/>
+                                      </p:to>
+                                    </p:set>
+                                    <p:anim calcmode="lin" valueType="num">
+                                      <p:cBhvr additive="base">
+                                        <p:cTn id="11" dur="500" fill="hold"/>
+                                        <p:tgtEl>
+                                          <p:spTgt spid="4"/>
+                                        </p:tgtEl>
+                                        <p:attrNameLst>
+                                          <p:attrName>ppt_x</p:attrName>
+                                        </p:attrNameLst>
+                                      </p:cBhvr>
+                                      <p:tavLst>
+                                        <p:tav tm="0">
+                                          <p:val>
+                                            <p:strVal val="#ppt_x"/>
+                                          </p:val>
+                                        </p:tav>
+                                        <p:tav tm="100000">
+                                          <p:val>
+                                            <p:strVal val="#ppt_x"/>
+                                          </p:val>
+                                        </p:tav>
+                                      </p:tavLst>
+                                    </p:anim>
+                                    <p:anim calcmode="lin" valueType="num">
+                                      <p:cBhvr additive="base">
+                                        <p:cTn id="12" dur="500" fill="hold"/>
+                                        <p:tgtEl>
+                                          <p:spTgt spid="4"/>
+                                        </p:tgtEl>
+                                        <p:attrNameLst>
+                                          <p:attrName>ppt_y</p:attrName>
+                                        </p:attrNameLst>
+                                      </p:cBhvr>
+                                      <p:tavLst>
+                                        <p:tav tm="0">
+                                          <p:val>
+                                            <p:strVal val="1+#ppt_h/2"/>
+                                          </p:val>
+                                        </p:tav>
+                                        <p:tav tm="100000">
+                                          <p:val>
+                                            <p:strVal val="#ppt_y"/>
+                                          </p:val>
+                                        </p:tav>
+                                      </p:tavLst>
+                                    </p:anim>
+                                  </p:childTnLst>
+                                </p:cTn>
+                              </p:par>
+                            </p:childTnLst>
+                          </p:cTn>
+                        </p:par>
+                      </p:childTnLst>
+                    </p:cTn>
+                  </p:par>
+                </p:childTnLst>
+              </p:cTn>
+              <p:prevCondLst>
+                <p:cond evt="onPrev" delay="0">
+                  <p:tgtEl>
+                    <p:sldTgt/>
+                  </p:tgtEl>
+                </p:cond>
+              </p:prevCondLst>
+              <p:nextCondLst>
+                <p:cond evt="onNext" delay="0">
+                  <p:tgtEl>
+                    <p:sldTgt/>
+                  </p:tgtEl>
+                </p:cond>
+              </p:nextCondLst>
+            </p:seq>
+          </p:childTnLst>
+        </p:cTn>
+      </p:par>
+    </p:tnLst>
+    <p:bldLst>
+      <p:bldP spid="2" grpId="0"/>
+    </p:bldLst>
+  </p:timing>
 </p:sld>
 </file>
 
@@ -11501,6 +12591,97 @@
                       </p:childTnLst>
                     </p:cTn>
                   </p:par>
+                  <p:par>
+                    <p:cTn id="8" fill="hold">
+                      <p:stCondLst>
+                        <p:cond delay="indefinite"/>
+                      </p:stCondLst>
+                      <p:childTnLst>
+                        <p:par>
+                          <p:cTn id="9" fill="hold">
+                            <p:stCondLst>
+                              <p:cond delay="0"/>
+                            </p:stCondLst>
+                            <p:childTnLst>
+                              <p:par>
+                                <p:cTn id="10" presetID="2" presetClass="entr" presetSubtype="4" fill="hold" nodeType="clickEffect">
+                                  <p:stCondLst>
+                                    <p:cond delay="0"/>
+                                  </p:stCondLst>
+                                  <p:childTnLst>
+                                    <p:set>
+                                      <p:cBhvr>
+                                        <p:cTn id="11" dur="1" fill="hold">
+                                          <p:stCondLst>
+                                            <p:cond delay="0"/>
+                                          </p:stCondLst>
+                                        </p:cTn>
+                                        <p:tgtEl>
+                                          <p:spTgt spid="6"/>
+                                        </p:tgtEl>
+                                        <p:attrNameLst>
+                                          <p:attrName>style.visibility</p:attrName>
+                                        </p:attrNameLst>
+                                      </p:cBhvr>
+                                      <p:to>
+                                        <p:strVal val="visible"/>
+                                      </p:to>
+                                    </p:set>
+                                    <p:anim calcmode="lin" valueType="num">
+                                      <p:cBhvr additive="base">
+                                        <p:cTn id="12" dur="500" fill="hold"/>
+                                        <p:tgtEl>
+                                          <p:spTgt spid="6"/>
+                                        </p:tgtEl>
+                                        <p:attrNameLst>
+                                          <p:attrName>ppt_x</p:attrName>
+                                        </p:attrNameLst>
+                                      </p:cBhvr>
+                                      <p:tavLst>
+                                        <p:tav tm="0">
+                                          <p:val>
+                                            <p:strVal val="#ppt_x"/>
+                                          </p:val>
+                                        </p:tav>
+                                        <p:tav tm="100000">
+                                          <p:val>
+                                            <p:strVal val="#ppt_x"/>
+                                          </p:val>
+                                        </p:tav>
+                                      </p:tavLst>
+                                    </p:anim>
+                                    <p:anim calcmode="lin" valueType="num">
+                                      <p:cBhvr additive="base">
+                                        <p:cTn id="13" dur="500" fill="hold"/>
+                                        <p:tgtEl>
+                                          <p:spTgt spid="6"/>
+                                        </p:tgtEl>
+                                        <p:attrNameLst>
+                                          <p:attrName>ppt_y</p:attrName>
+                                        </p:attrNameLst>
+                                      </p:cBhvr>
+                                      <p:tavLst>
+                                        <p:tav tm="0">
+                                          <p:val>
+                                            <p:strVal val="1+#ppt_h/2"/>
+                                          </p:val>
+                                        </p:tav>
+                                        <p:tav tm="100000">
+                                          <p:val>
+                                            <p:strVal val="#ppt_y"/>
+                                          </p:val>
+                                        </p:tav>
+                                      </p:tavLst>
+                                    </p:anim>
+                                  </p:childTnLst>
+                                </p:cTn>
+                              </p:par>
+                            </p:childTnLst>
+                          </p:cTn>
+                        </p:par>
+                      </p:childTnLst>
+                    </p:cTn>
+                  </p:par>
                 </p:childTnLst>
               </p:cTn>
               <p:prevCondLst>
@@ -11680,6 +12861,59 @@
                                         <p:cTn id="7" dur="500"/>
                                         <p:tgtEl>
                                           <p:spTgt spid="2"/>
+                                        </p:tgtEl>
+                                      </p:cBhvr>
+                                    </p:animEffect>
+                                  </p:childTnLst>
+                                </p:cTn>
+                              </p:par>
+                            </p:childTnLst>
+                          </p:cTn>
+                        </p:par>
+                      </p:childTnLst>
+                    </p:cTn>
+                  </p:par>
+                  <p:par>
+                    <p:cTn id="8" fill="hold">
+                      <p:stCondLst>
+                        <p:cond delay="indefinite"/>
+                      </p:stCondLst>
+                      <p:childTnLst>
+                        <p:par>
+                          <p:cTn id="9" fill="hold">
+                            <p:stCondLst>
+                              <p:cond delay="0"/>
+                            </p:stCondLst>
+                            <p:childTnLst>
+                              <p:par>
+                                <p:cTn id="10" presetID="16" presetClass="entr" presetSubtype="21" fill="hold" nodeType="clickEffect">
+                                  <p:stCondLst>
+                                    <p:cond delay="0"/>
+                                  </p:stCondLst>
+                                  <p:childTnLst>
+                                    <p:set>
+                                      <p:cBhvr>
+                                        <p:cTn id="11" dur="1" fill="hold">
+                                          <p:stCondLst>
+                                            <p:cond delay="0"/>
+                                          </p:stCondLst>
+                                        </p:cTn>
+                                        <p:tgtEl>
+                                          <p:spTgt spid="5"/>
+                                        </p:tgtEl>
+                                        <p:attrNameLst>
+                                          <p:attrName>style.visibility</p:attrName>
+                                        </p:attrNameLst>
+                                      </p:cBhvr>
+                                      <p:to>
+                                        <p:strVal val="visible"/>
+                                      </p:to>
+                                    </p:set>
+                                    <p:animEffect transition="in" filter="barn(inVertical)">
+                                      <p:cBhvr>
+                                        <p:cTn id="12" dur="500"/>
+                                        <p:tgtEl>
+                                          <p:spTgt spid="5"/>
                                         </p:tgtEl>
                                       </p:cBhvr>
                                     </p:animEffect>
@@ -11871,6 +13105,59 @@
                                         <p:cTn id="7" dur="500"/>
                                         <p:tgtEl>
                                           <p:spTgt spid="2"/>
+                                        </p:tgtEl>
+                                      </p:cBhvr>
+                                    </p:animEffect>
+                                  </p:childTnLst>
+                                </p:cTn>
+                              </p:par>
+                            </p:childTnLst>
+                          </p:cTn>
+                        </p:par>
+                      </p:childTnLst>
+                    </p:cTn>
+                  </p:par>
+                  <p:par>
+                    <p:cTn id="8" fill="hold">
+                      <p:stCondLst>
+                        <p:cond delay="indefinite"/>
+                      </p:stCondLst>
+                      <p:childTnLst>
+                        <p:par>
+                          <p:cTn id="9" fill="hold">
+                            <p:stCondLst>
+                              <p:cond delay="0"/>
+                            </p:stCondLst>
+                            <p:childTnLst>
+                              <p:par>
+                                <p:cTn id="10" presetID="22" presetClass="entr" presetSubtype="4" fill="hold" nodeType="clickEffect">
+                                  <p:stCondLst>
+                                    <p:cond delay="0"/>
+                                  </p:stCondLst>
+                                  <p:childTnLst>
+                                    <p:set>
+                                      <p:cBhvr>
+                                        <p:cTn id="11" dur="1" fill="hold">
+                                          <p:stCondLst>
+                                            <p:cond delay="0"/>
+                                          </p:stCondLst>
+                                        </p:cTn>
+                                        <p:tgtEl>
+                                          <p:spTgt spid="5"/>
+                                        </p:tgtEl>
+                                        <p:attrNameLst>
+                                          <p:attrName>style.visibility</p:attrName>
+                                        </p:attrNameLst>
+                                      </p:cBhvr>
+                                      <p:to>
+                                        <p:strVal val="visible"/>
+                                      </p:to>
+                                    </p:set>
+                                    <p:animEffect transition="in" filter="wipe(down)">
+                                      <p:cBhvr>
+                                        <p:cTn id="12" dur="500"/>
+                                        <p:tgtEl>
+                                          <p:spTgt spid="5"/>
                                         </p:tgtEl>
                                       </p:cBhvr>
                                     </p:animEffect>
@@ -12575,6 +13862,105 @@
                       </p:childTnLst>
                     </p:cTn>
                   </p:par>
+                  <p:par>
+                    <p:cTn id="8" fill="hold">
+                      <p:stCondLst>
+                        <p:cond delay="indefinite"/>
+                      </p:stCondLst>
+                      <p:childTnLst>
+                        <p:par>
+                          <p:cTn id="9" fill="hold">
+                            <p:stCondLst>
+                              <p:cond delay="0"/>
+                            </p:stCondLst>
+                            <p:childTnLst>
+                              <p:par>
+                                <p:cTn id="10" presetID="42" presetClass="entr" presetSubtype="0" fill="hold" nodeType="clickEffect">
+                                  <p:stCondLst>
+                                    <p:cond delay="0"/>
+                                  </p:stCondLst>
+                                  <p:childTnLst>
+                                    <p:set>
+                                      <p:cBhvr>
+                                        <p:cTn id="11" dur="1" fill="hold">
+                                          <p:stCondLst>
+                                            <p:cond delay="0"/>
+                                          </p:stCondLst>
+                                        </p:cTn>
+                                        <p:tgtEl>
+                                          <p:spTgt spid="5"/>
+                                        </p:tgtEl>
+                                        <p:attrNameLst>
+                                          <p:attrName>style.visibility</p:attrName>
+                                        </p:attrNameLst>
+                                      </p:cBhvr>
+                                      <p:to>
+                                        <p:strVal val="visible"/>
+                                      </p:to>
+                                    </p:set>
+                                    <p:animEffect transition="in" filter="fade">
+                                      <p:cBhvr>
+                                        <p:cTn id="12" dur="1000"/>
+                                        <p:tgtEl>
+                                          <p:spTgt spid="5"/>
+                                        </p:tgtEl>
+                                      </p:cBhvr>
+                                    </p:animEffect>
+                                    <p:anim calcmode="lin" valueType="num">
+                                      <p:cBhvr>
+                                        <p:cTn id="13" dur="1000" fill="hold"/>
+                                        <p:tgtEl>
+                                          <p:spTgt spid="5"/>
+                                        </p:tgtEl>
+                                        <p:attrNameLst>
+                                          <p:attrName>ppt_x</p:attrName>
+                                        </p:attrNameLst>
+                                      </p:cBhvr>
+                                      <p:tavLst>
+                                        <p:tav tm="0">
+                                          <p:val>
+                                            <p:strVal val="#ppt_x"/>
+                                          </p:val>
+                                        </p:tav>
+                                        <p:tav tm="100000">
+                                          <p:val>
+                                            <p:strVal val="#ppt_x"/>
+                                          </p:val>
+                                        </p:tav>
+                                      </p:tavLst>
+                                    </p:anim>
+                                    <p:anim calcmode="lin" valueType="num">
+                                      <p:cBhvr>
+                                        <p:cTn id="14" dur="1000" fill="hold"/>
+                                        <p:tgtEl>
+                                          <p:spTgt spid="5"/>
+                                        </p:tgtEl>
+                                        <p:attrNameLst>
+                                          <p:attrName>ppt_y</p:attrName>
+                                        </p:attrNameLst>
+                                      </p:cBhvr>
+                                      <p:tavLst>
+                                        <p:tav tm="0">
+                                          <p:val>
+                                            <p:strVal val="#ppt_y+.1"/>
+                                          </p:val>
+                                        </p:tav>
+                                        <p:tav tm="100000">
+                                          <p:val>
+                                            <p:strVal val="#ppt_y"/>
+                                          </p:val>
+                                        </p:tav>
+                                      </p:tavLst>
+                                    </p:anim>
+                                  </p:childTnLst>
+                                </p:cTn>
+                              </p:par>
+                            </p:childTnLst>
+                          </p:cTn>
+                        </p:par>
+                      </p:childTnLst>
+                    </p:cTn>
+                  </p:par>
                 </p:childTnLst>
               </p:cTn>
               <p:prevCondLst>
@@ -12757,6 +14143,97 @@
                                         </p:tgtEl>
                                       </p:cBhvr>
                                     </p:animEffect>
+                                  </p:childTnLst>
+                                </p:cTn>
+                              </p:par>
+                            </p:childTnLst>
+                          </p:cTn>
+                        </p:par>
+                      </p:childTnLst>
+                    </p:cTn>
+                  </p:par>
+                  <p:par>
+                    <p:cTn id="8" fill="hold">
+                      <p:stCondLst>
+                        <p:cond delay="indefinite"/>
+                      </p:stCondLst>
+                      <p:childTnLst>
+                        <p:par>
+                          <p:cTn id="9" fill="hold">
+                            <p:stCondLst>
+                              <p:cond delay="0"/>
+                            </p:stCondLst>
+                            <p:childTnLst>
+                              <p:par>
+                                <p:cTn id="10" presetID="2" presetClass="entr" presetSubtype="4" fill="hold" nodeType="clickEffect">
+                                  <p:stCondLst>
+                                    <p:cond delay="0"/>
+                                  </p:stCondLst>
+                                  <p:childTnLst>
+                                    <p:set>
+                                      <p:cBhvr>
+                                        <p:cTn id="11" dur="1" fill="hold">
+                                          <p:stCondLst>
+                                            <p:cond delay="0"/>
+                                          </p:stCondLst>
+                                        </p:cTn>
+                                        <p:tgtEl>
+                                          <p:spTgt spid="5"/>
+                                        </p:tgtEl>
+                                        <p:attrNameLst>
+                                          <p:attrName>style.visibility</p:attrName>
+                                        </p:attrNameLst>
+                                      </p:cBhvr>
+                                      <p:to>
+                                        <p:strVal val="visible"/>
+                                      </p:to>
+                                    </p:set>
+                                    <p:anim calcmode="lin" valueType="num">
+                                      <p:cBhvr additive="base">
+                                        <p:cTn id="12" dur="500" fill="hold"/>
+                                        <p:tgtEl>
+                                          <p:spTgt spid="5"/>
+                                        </p:tgtEl>
+                                        <p:attrNameLst>
+                                          <p:attrName>ppt_x</p:attrName>
+                                        </p:attrNameLst>
+                                      </p:cBhvr>
+                                      <p:tavLst>
+                                        <p:tav tm="0">
+                                          <p:val>
+                                            <p:strVal val="#ppt_x"/>
+                                          </p:val>
+                                        </p:tav>
+                                        <p:tav tm="100000">
+                                          <p:val>
+                                            <p:strVal val="#ppt_x"/>
+                                          </p:val>
+                                        </p:tav>
+                                      </p:tavLst>
+                                    </p:anim>
+                                    <p:anim calcmode="lin" valueType="num">
+                                      <p:cBhvr additive="base">
+                                        <p:cTn id="13" dur="500" fill="hold"/>
+                                        <p:tgtEl>
+                                          <p:spTgt spid="5"/>
+                                        </p:tgtEl>
+                                        <p:attrNameLst>
+                                          <p:attrName>ppt_y</p:attrName>
+                                        </p:attrNameLst>
+                                      </p:cBhvr>
+                                      <p:tavLst>
+                                        <p:tav tm="0">
+                                          <p:val>
+                                            <p:strVal val="1+#ppt_h/2"/>
+                                          </p:val>
+                                        </p:tav>
+                                        <p:tav tm="100000">
+                                          <p:val>
+                                            <p:strVal val="#ppt_y"/>
+                                          </p:val>
+                                        </p:tav>
+                                      </p:tavLst>
+                                    </p:anim>
                                   </p:childTnLst>
                                 </p:cTn>
                               </p:par>
@@ -13054,6 +14531,59 @@
                                         <p:cTn id="7" dur="500"/>
                                         <p:tgtEl>
                                           <p:spTgt spid="2"/>
+                                        </p:tgtEl>
+                                      </p:cBhvr>
+                                    </p:animEffect>
+                                  </p:childTnLst>
+                                </p:cTn>
+                              </p:par>
+                            </p:childTnLst>
+                          </p:cTn>
+                        </p:par>
+                      </p:childTnLst>
+                    </p:cTn>
+                  </p:par>
+                  <p:par>
+                    <p:cTn id="8" fill="hold">
+                      <p:stCondLst>
+                        <p:cond delay="indefinite"/>
+                      </p:stCondLst>
+                      <p:childTnLst>
+                        <p:par>
+                          <p:cTn id="9" fill="hold">
+                            <p:stCondLst>
+                              <p:cond delay="0"/>
+                            </p:stCondLst>
+                            <p:childTnLst>
+                              <p:par>
+                                <p:cTn id="10" presetID="16" presetClass="entr" presetSubtype="21" fill="hold" nodeType="clickEffect">
+                                  <p:stCondLst>
+                                    <p:cond delay="0"/>
+                                  </p:stCondLst>
+                                  <p:childTnLst>
+                                    <p:set>
+                                      <p:cBhvr>
+                                        <p:cTn id="11" dur="1" fill="hold">
+                                          <p:stCondLst>
+                                            <p:cond delay="0"/>
+                                          </p:stCondLst>
+                                        </p:cTn>
+                                        <p:tgtEl>
+                                          <p:spTgt spid="5"/>
+                                        </p:tgtEl>
+                                        <p:attrNameLst>
+                                          <p:attrName>style.visibility</p:attrName>
+                                        </p:attrNameLst>
+                                      </p:cBhvr>
+                                      <p:to>
+                                        <p:strVal val="visible"/>
+                                      </p:to>
+                                    </p:set>
+                                    <p:animEffect transition="in" filter="barn(inVertical)">
+                                      <p:cBhvr>
+                                        <p:cTn id="12" dur="500"/>
+                                        <p:tgtEl>
+                                          <p:spTgt spid="5"/>
                                         </p:tgtEl>
                                       </p:cBhvr>
                                     </p:animEffect>
@@ -13464,6 +14994,105 @@
                       </p:childTnLst>
                     </p:cTn>
                   </p:par>
+                  <p:par>
+                    <p:cTn id="13" fill="hold">
+                      <p:stCondLst>
+                        <p:cond delay="indefinite"/>
+                      </p:stCondLst>
+                      <p:childTnLst>
+                        <p:par>
+                          <p:cTn id="14" fill="hold">
+                            <p:stCondLst>
+                              <p:cond delay="0"/>
+                            </p:stCondLst>
+                            <p:childTnLst>
+                              <p:par>
+                                <p:cTn id="15" presetID="42" presetClass="entr" presetSubtype="0" fill="hold" nodeType="clickEffect">
+                                  <p:stCondLst>
+                                    <p:cond delay="0"/>
+                                  </p:stCondLst>
+                                  <p:childTnLst>
+                                    <p:set>
+                                      <p:cBhvr>
+                                        <p:cTn id="16" dur="1" fill="hold">
+                                          <p:stCondLst>
+                                            <p:cond delay="0"/>
+                                          </p:stCondLst>
+                                        </p:cTn>
+                                        <p:tgtEl>
+                                          <p:spTgt spid="6"/>
+                                        </p:tgtEl>
+                                        <p:attrNameLst>
+                                          <p:attrName>style.visibility</p:attrName>
+                                        </p:attrNameLst>
+                                      </p:cBhvr>
+                                      <p:to>
+                                        <p:strVal val="visible"/>
+                                      </p:to>
+                                    </p:set>
+                                    <p:animEffect transition="in" filter="fade">
+                                      <p:cBhvr>
+                                        <p:cTn id="17" dur="1000"/>
+                                        <p:tgtEl>
+                                          <p:spTgt spid="6"/>
+                                        </p:tgtEl>
+                                      </p:cBhvr>
+                                    </p:animEffect>
+                                    <p:anim calcmode="lin" valueType="num">
+                                      <p:cBhvr>
+                                        <p:cTn id="18" dur="1000" fill="hold"/>
+                                        <p:tgtEl>
+                                          <p:spTgt spid="6"/>
+                                        </p:tgtEl>
+                                        <p:attrNameLst>
+                                          <p:attrName>ppt_x</p:attrName>
+                                        </p:attrNameLst>
+                                      </p:cBhvr>
+                                      <p:tavLst>
+                                        <p:tav tm="0">
+                                          <p:val>
+                                            <p:strVal val="#ppt_x"/>
+                                          </p:val>
+                                        </p:tav>
+                                        <p:tav tm="100000">
+                                          <p:val>
+                                            <p:strVal val="#ppt_x"/>
+                                          </p:val>
+                                        </p:tav>
+                                      </p:tavLst>
+                                    </p:anim>
+                                    <p:anim calcmode="lin" valueType="num">
+                                      <p:cBhvr>
+                                        <p:cTn id="19" dur="1000" fill="hold"/>
+                                        <p:tgtEl>
+                                          <p:spTgt spid="6"/>
+                                        </p:tgtEl>
+                                        <p:attrNameLst>
+                                          <p:attrName>ppt_y</p:attrName>
+                                        </p:attrNameLst>
+                                      </p:cBhvr>
+                                      <p:tavLst>
+                                        <p:tav tm="0">
+                                          <p:val>
+                                            <p:strVal val="#ppt_y+.1"/>
+                                          </p:val>
+                                        </p:tav>
+                                        <p:tav tm="100000">
+                                          <p:val>
+                                            <p:strVal val="#ppt_y"/>
+                                          </p:val>
+                                        </p:tav>
+                                      </p:tavLst>
+                                    </p:anim>
+                                  </p:childTnLst>
+                                </p:cTn>
+                              </p:par>
+                            </p:childTnLst>
+                          </p:cTn>
+                        </p:par>
+                      </p:childTnLst>
+                    </p:cTn>
+                  </p:par>
                 </p:childTnLst>
               </p:cTn>
               <p:prevCondLst>
@@ -13644,6 +15273,59 @@
                                         <p:cTn id="7" dur="500"/>
                                         <p:tgtEl>
                                           <p:spTgt spid="2"/>
+                                        </p:tgtEl>
+                                      </p:cBhvr>
+                                    </p:animEffect>
+                                  </p:childTnLst>
+                                </p:cTn>
+                              </p:par>
+                            </p:childTnLst>
+                          </p:cTn>
+                        </p:par>
+                      </p:childTnLst>
+                    </p:cTn>
+                  </p:par>
+                  <p:par>
+                    <p:cTn id="8" fill="hold">
+                      <p:stCondLst>
+                        <p:cond delay="indefinite"/>
+                      </p:stCondLst>
+                      <p:childTnLst>
+                        <p:par>
+                          <p:cTn id="9" fill="hold">
+                            <p:stCondLst>
+                              <p:cond delay="0"/>
+                            </p:stCondLst>
+                            <p:childTnLst>
+                              <p:par>
+                                <p:cTn id="10" presetID="16" presetClass="entr" presetSubtype="21" fill="hold" nodeType="clickEffect">
+                                  <p:stCondLst>
+                                    <p:cond delay="0"/>
+                                  </p:stCondLst>
+                                  <p:childTnLst>
+                                    <p:set>
+                                      <p:cBhvr>
+                                        <p:cTn id="11" dur="1" fill="hold">
+                                          <p:stCondLst>
+                                            <p:cond delay="0"/>
+                                          </p:stCondLst>
+                                        </p:cTn>
+                                        <p:tgtEl>
+                                          <p:spTgt spid="5"/>
+                                        </p:tgtEl>
+                                        <p:attrNameLst>
+                                          <p:attrName>style.visibility</p:attrName>
+                                        </p:attrNameLst>
+                                      </p:cBhvr>
+                                      <p:to>
+                                        <p:strVal val="visible"/>
+                                      </p:to>
+                                    </p:set>
+                                    <p:animEffect transition="in" filter="barn(inVertical)">
+                                      <p:cBhvr>
+                                        <p:cTn id="12" dur="500"/>
+                                        <p:tgtEl>
+                                          <p:spTgt spid="5"/>
                                         </p:tgtEl>
                                       </p:cBhvr>
                                     </p:animEffect>
@@ -13847,6 +15529,105 @@
                       </p:childTnLst>
                     </p:cTn>
                   </p:par>
+                  <p:par>
+                    <p:cTn id="8" fill="hold">
+                      <p:stCondLst>
+                        <p:cond delay="indefinite"/>
+                      </p:stCondLst>
+                      <p:childTnLst>
+                        <p:par>
+                          <p:cTn id="9" fill="hold">
+                            <p:stCondLst>
+                              <p:cond delay="0"/>
+                            </p:stCondLst>
+                            <p:childTnLst>
+                              <p:par>
+                                <p:cTn id="10" presetID="42" presetClass="entr" presetSubtype="0" fill="hold" nodeType="clickEffect">
+                                  <p:stCondLst>
+                                    <p:cond delay="0"/>
+                                  </p:stCondLst>
+                                  <p:childTnLst>
+                                    <p:set>
+                                      <p:cBhvr>
+                                        <p:cTn id="11" dur="1" fill="hold">
+                                          <p:stCondLst>
+                                            <p:cond delay="0"/>
+                                          </p:stCondLst>
+                                        </p:cTn>
+                                        <p:tgtEl>
+                                          <p:spTgt spid="5"/>
+                                        </p:tgtEl>
+                                        <p:attrNameLst>
+                                          <p:attrName>style.visibility</p:attrName>
+                                        </p:attrNameLst>
+                                      </p:cBhvr>
+                                      <p:to>
+                                        <p:strVal val="visible"/>
+                                      </p:to>
+                                    </p:set>
+                                    <p:animEffect transition="in" filter="fade">
+                                      <p:cBhvr>
+                                        <p:cTn id="12" dur="1000"/>
+                                        <p:tgtEl>
+                                          <p:spTgt spid="5"/>
+                                        </p:tgtEl>
+                                      </p:cBhvr>
+                                    </p:animEffect>
+                                    <p:anim calcmode="lin" valueType="num">
+                                      <p:cBhvr>
+                                        <p:cTn id="13" dur="1000" fill="hold"/>
+                                        <p:tgtEl>
+                                          <p:spTgt spid="5"/>
+                                        </p:tgtEl>
+                                        <p:attrNameLst>
+                                          <p:attrName>ppt_x</p:attrName>
+                                        </p:attrNameLst>
+                                      </p:cBhvr>
+                                      <p:tavLst>
+                                        <p:tav tm="0">
+                                          <p:val>
+                                            <p:strVal val="#ppt_x"/>
+                                          </p:val>
+                                        </p:tav>
+                                        <p:tav tm="100000">
+                                          <p:val>
+                                            <p:strVal val="#ppt_x"/>
+                                          </p:val>
+                                        </p:tav>
+                                      </p:tavLst>
+                                    </p:anim>
+                                    <p:anim calcmode="lin" valueType="num">
+                                      <p:cBhvr>
+                                        <p:cTn id="14" dur="1000" fill="hold"/>
+                                        <p:tgtEl>
+                                          <p:spTgt spid="5"/>
+                                        </p:tgtEl>
+                                        <p:attrNameLst>
+                                          <p:attrName>ppt_y</p:attrName>
+                                        </p:attrNameLst>
+                                      </p:cBhvr>
+                                      <p:tavLst>
+                                        <p:tav tm="0">
+                                          <p:val>
+                                            <p:strVal val="#ppt_y+.1"/>
+                                          </p:val>
+                                        </p:tav>
+                                        <p:tav tm="100000">
+                                          <p:val>
+                                            <p:strVal val="#ppt_y"/>
+                                          </p:val>
+                                        </p:tav>
+                                      </p:tavLst>
+                                    </p:anim>
+                                  </p:childTnLst>
+                                </p:cTn>
+                              </p:par>
+                            </p:childTnLst>
+                          </p:cTn>
+                        </p:par>
+                      </p:childTnLst>
+                    </p:cTn>
+                  </p:par>
                 </p:childTnLst>
               </p:cTn>
               <p:prevCondLst>
@@ -13944,6 +15725,89 @@
       </p:transition>
     </mc:Fallback>
   </mc:AlternateContent>
+  <p:timing>
+    <p:tnLst>
+      <p:par>
+        <p:cTn id="1" dur="indefinite" restart="never" nodeType="tmRoot">
+          <p:childTnLst>
+            <p:seq concurrent="1" nextAc="seek">
+              <p:cTn id="2" dur="indefinite" nodeType="mainSeq">
+                <p:childTnLst>
+                  <p:par>
+                    <p:cTn id="3" fill="hold">
+                      <p:stCondLst>
+                        <p:cond delay="indefinite"/>
+                      </p:stCondLst>
+                      <p:childTnLst>
+                        <p:par>
+                          <p:cTn id="4" fill="hold">
+                            <p:stCondLst>
+                              <p:cond delay="0"/>
+                            </p:stCondLst>
+                            <p:childTnLst>
+                              <p:par>
+                                <p:cTn id="5" presetID="22" presetClass="entr" presetSubtype="4" fill="hold" nodeType="clickEffect">
+                                  <p:stCondLst>
+                                    <p:cond delay="0"/>
+                                  </p:stCondLst>
+                                  <p:childTnLst>
+                                    <p:set>
+                                      <p:cBhvr>
+                                        <p:cTn id="6" dur="1" fill="hold">
+                                          <p:stCondLst>
+                                            <p:cond delay="0"/>
+                                          </p:stCondLst>
+                                        </p:cTn>
+                                        <p:tgtEl>
+                                          <p:spTgt spid="4"/>
+                                        </p:tgtEl>
+                                        <p:attrNameLst>
+                                          <p:attrName>style.visibility</p:attrName>
+                                        </p:attrNameLst>
+                                      </p:cBhvr>
+                                      <p:to>
+                                        <p:strVal val="visible"/>
+                                      </p:to>
+                                    </p:set>
+                                    <p:animEffect transition="in" filter="wipe(down)">
+                                      <p:cBhvr>
+                                        <p:cTn id="7" dur="500"/>
+                                        <p:tgtEl>
+                                          <p:spTgt spid="4"/>
+                                        </p:tgtEl>
+                                      </p:cBhvr>
+                                    </p:animEffect>
+                                  </p:childTnLst>
+                                </p:cTn>
+                              </p:par>
+                            </p:childTnLst>
+                          </p:cTn>
+                        </p:par>
+                      </p:childTnLst>
+                    </p:cTn>
+                  </p:par>
+                </p:childTnLst>
+              </p:cTn>
+              <p:prevCondLst>
+                <p:cond evt="onPrev" delay="0">
+                  <p:tgtEl>
+                    <p:sldTgt/>
+                  </p:tgtEl>
+                </p:cond>
+              </p:prevCondLst>
+              <p:nextCondLst>
+                <p:cond evt="onNext" delay="0">
+                  <p:tgtEl>
+                    <p:sldTgt/>
+                  </p:tgtEl>
+                </p:cond>
+              </p:nextCondLst>
+            </p:seq>
+          </p:childTnLst>
+        </p:cTn>
+      </p:par>
+    </p:tnLst>
+  </p:timing>
 </p:sld>
 </file>
 
@@ -14719,6 +16583,203 @@
   <p:clrMapOvr>
     <a:masterClrMapping/>
   </p:clrMapOvr>
+  <p:timing>
+    <p:tnLst>
+      <p:par>
+        <p:cTn id="1" dur="indefinite" restart="never" nodeType="tmRoot">
+          <p:childTnLst>
+            <p:seq concurrent="1" nextAc="seek">
+              <p:cTn id="2" dur="indefinite" nodeType="mainSeq">
+                <p:childTnLst>
+                  <p:par>
+                    <p:cTn id="3" fill="hold">
+                      <p:stCondLst>
+                        <p:cond delay="indefinite"/>
+                      </p:stCondLst>
+                      <p:childTnLst>
+                        <p:par>
+                          <p:cTn id="4" fill="hold">
+                            <p:stCondLst>
+                              <p:cond delay="0"/>
+                            </p:stCondLst>
+                            <p:childTnLst>
+                              <p:par>
+                                <p:cTn id="5" presetID="2" presetClass="entr" presetSubtype="4" fill="hold" grpId="0" nodeType="clickEffect">
+                                  <p:stCondLst>
+                                    <p:cond delay="0"/>
+                                  </p:stCondLst>
+                                  <p:childTnLst>
+                                    <p:set>
+                                      <p:cBhvr>
+                                        <p:cTn id="6" dur="1" fill="hold">
+                                          <p:stCondLst>
+                                            <p:cond delay="0"/>
+                                          </p:stCondLst>
+                                        </p:cTn>
+                                        <p:tgtEl>
+                                          <p:spTgt spid="2"/>
+                                        </p:tgtEl>
+                                        <p:attrNameLst>
+                                          <p:attrName>style.visibility</p:attrName>
+                                        </p:attrNameLst>
+                                      </p:cBhvr>
+                                      <p:to>
+                                        <p:strVal val="visible"/>
+                                      </p:to>
+                                    </p:set>
+                                    <p:anim calcmode="lin" valueType="num">
+                                      <p:cBhvr additive="base">
+                                        <p:cTn id="7" dur="500" fill="hold"/>
+                                        <p:tgtEl>
+                                          <p:spTgt spid="2"/>
+                                        </p:tgtEl>
+                                        <p:attrNameLst>
+                                          <p:attrName>ppt_x</p:attrName>
+                                        </p:attrNameLst>
+                                      </p:cBhvr>
+                                      <p:tavLst>
+                                        <p:tav tm="0">
+                                          <p:val>
+                                            <p:strVal val="#ppt_x"/>
+                                          </p:val>
+                                        </p:tav>
+                                        <p:tav tm="100000">
+                                          <p:val>
+                                            <p:strVal val="#ppt_x"/>
+                                          </p:val>
+                                        </p:tav>
+                                      </p:tavLst>
+                                    </p:anim>
+                                    <p:anim calcmode="lin" valueType="num">
+                                      <p:cBhvr additive="base">
+                                        <p:cTn id="8" dur="500" fill="hold"/>
+                                        <p:tgtEl>
+                                          <p:spTgt spid="2"/>
+                                        </p:tgtEl>
+                                        <p:attrNameLst>
+                                          <p:attrName>ppt_y</p:attrName>
+                                        </p:attrNameLst>
+                                      </p:cBhvr>
+                                      <p:tavLst>
+                                        <p:tav tm="0">
+                                          <p:val>
+                                            <p:strVal val="1+#ppt_h/2"/>
+                                          </p:val>
+                                        </p:tav>
+                                        <p:tav tm="100000">
+                                          <p:val>
+                                            <p:strVal val="#ppt_y"/>
+                                          </p:val>
+                                        </p:tav>
+                                      </p:tavLst>
+                                    </p:anim>
+                                  </p:childTnLst>
+                                </p:cTn>
+                              </p:par>
+                              <p:par>
+                                <p:cTn id="9" presetID="2" presetClass="entr" presetSubtype="4" fill="hold" nodeType="withEffect">
+                                  <p:stCondLst>
+                                    <p:cond delay="0"/>
+                                  </p:stCondLst>
+                                  <p:childTnLst>
+                                    <p:set>
+                                      <p:cBhvr>
+                                        <p:cTn id="10" dur="1" fill="hold">
+                                          <p:stCondLst>
+                                            <p:cond delay="0"/>
+                                          </p:stCondLst>
+                                        </p:cTn>
+                                        <p:tgtEl>
+                                          <p:spTgt spid="4"/>
+                                        </p:tgtEl>
+                                        <p:attrNameLst>
+                                          <p:attrName>style.visibility</p:attrName>
+                                        </p:attrNameLst>
+                                      </p:cBhvr>
+                                      <p:to>
+                                        <p:strVal val="visible"/>
+                                      </p:to>
+                                    </p:set>
+                                    <p:anim calcmode="lin" valueType="num">
+                                      <p:cBhvr additive="base">
+                                        <p:cTn id="11" dur="500" fill="hold"/>
+                                        <p:tgtEl>
+                                          <p:spTgt spid="4"/>
+                                        </p:tgtEl>
+                                        <p:attrNameLst>
+                                          <p:attrName>ppt_x</p:attrName>
+                                        </p:attrNameLst>
+                                      </p:cBhvr>
+                                      <p:tavLst>
+                                        <p:tav tm="0">
+                                          <p:val>
+                                            <p:strVal val="#ppt_x"/>
+                                          </p:val>
+                                        </p:tav>
+                                        <p:tav tm="100000">
+                                          <p:val>
+                                            <p:strVal val="#ppt_x"/>
+                                          </p:val>
+                                        </p:tav>
+                                      </p:tavLst>
+                                    </p:anim>
+                                    <p:anim calcmode="lin" valueType="num">
+                                      <p:cBhvr additive="base">
+                                        <p:cTn id="12" dur="500" fill="hold"/>
+                                        <p:tgtEl>
+                                          <p:spTgt spid="4"/>
+                                        </p:tgtEl>
+                                        <p:attrNameLst>
+                                          <p:attrName>ppt_y</p:attrName>
+                                        </p:attrNameLst>
+                                      </p:cBhvr>
+                                      <p:tavLst>
+                                        <p:tav tm="0">
+                                          <p:val>
+                                            <p:strVal val="1+#ppt_h/2"/>
+                                          </p:val>
+                                        </p:tav>
+                                        <p:tav tm="100000">
+                                          <p:val>
+                                            <p:strVal val="#ppt_y"/>
+                                          </p:val>
+                                        </p:tav>
+                                      </p:tavLst>
+                                    </p:anim>
+                                  </p:childTnLst>
+                                </p:cTn>
+                              </p:par>
+                            </p:childTnLst>
+                          </p:cTn>
+                        </p:par>
+                      </p:childTnLst>
+                    </p:cTn>
+                  </p:par>
+                </p:childTnLst>
+              </p:cTn>
+              <p:prevCondLst>
+                <p:cond evt="onPrev" delay="0">
+                  <p:tgtEl>
+                    <p:sldTgt/>
+                  </p:tgtEl>
+                </p:cond>
+              </p:prevCondLst>
+              <p:nextCondLst>
+                <p:cond evt="onNext" delay="0">
+                  <p:tgtEl>
+                    <p:sldTgt/>
+                  </p:tgtEl>
+                </p:cond>
+              </p:nextCondLst>
+            </p:seq>
+          </p:childTnLst>
+        </p:cTn>
+      </p:par>
+    </p:tnLst>
+    <p:bldLst>
+      <p:bldP spid="2" grpId="0"/>
+    </p:bldLst>
+  </p:timing>
 </p:sld>
 </file>
 
@@ -14846,6 +16907,163 @@
   <p:clrMapOvr>
     <a:masterClrMapping/>
   </p:clrMapOvr>
+  <p:timing>
+    <p:tnLst>
+      <p:par>
+        <p:cTn id="1" dur="indefinite" restart="never" nodeType="tmRoot">
+          <p:childTnLst>
+            <p:seq concurrent="1" nextAc="seek">
+              <p:cTn id="2" dur="indefinite" nodeType="mainSeq">
+                <p:childTnLst>
+                  <p:par>
+                    <p:cTn id="3" fill="hold">
+                      <p:stCondLst>
+                        <p:cond delay="indefinite"/>
+                      </p:stCondLst>
+                      <p:childTnLst>
+                        <p:par>
+                          <p:cTn id="4" fill="hold">
+                            <p:stCondLst>
+                              <p:cond delay="0"/>
+                            </p:stCondLst>
+                            <p:childTnLst>
+                              <p:par>
+                                <p:cTn id="5" presetID="10" presetClass="entr" presetSubtype="0" fill="hold" grpId="0" nodeType="clickEffect">
+                                  <p:stCondLst>
+                                    <p:cond delay="0"/>
+                                  </p:stCondLst>
+                                  <p:childTnLst>
+                                    <p:set>
+                                      <p:cBhvr>
+                                        <p:cTn id="6" dur="1" fill="hold">
+                                          <p:stCondLst>
+                                            <p:cond delay="0"/>
+                                          </p:stCondLst>
+                                        </p:cTn>
+                                        <p:tgtEl>
+                                          <p:spTgt spid="2"/>
+                                        </p:tgtEl>
+                                        <p:attrNameLst>
+                                          <p:attrName>style.visibility</p:attrName>
+                                        </p:attrNameLst>
+                                      </p:cBhvr>
+                                      <p:to>
+                                        <p:strVal val="visible"/>
+                                      </p:to>
+                                    </p:set>
+                                    <p:animEffect transition="in" filter="fade">
+                                      <p:cBhvr>
+                                        <p:cTn id="7" dur="500"/>
+                                        <p:tgtEl>
+                                          <p:spTgt spid="2"/>
+                                        </p:tgtEl>
+                                      </p:cBhvr>
+                                    </p:animEffect>
+                                  </p:childTnLst>
+                                </p:cTn>
+                              </p:par>
+                              <p:par>
+                                <p:cTn id="8" presetID="10" presetClass="entr" presetSubtype="0" fill="hold" nodeType="withEffect">
+                                  <p:stCondLst>
+                                    <p:cond delay="0"/>
+                                  </p:stCondLst>
+                                  <p:childTnLst>
+                                    <p:set>
+                                      <p:cBhvr>
+                                        <p:cTn id="9" dur="1" fill="hold">
+                                          <p:stCondLst>
+                                            <p:cond delay="0"/>
+                                          </p:stCondLst>
+                                        </p:cTn>
+                                        <p:tgtEl>
+                                          <p:spTgt spid="6"/>
+                                        </p:tgtEl>
+                                        <p:attrNameLst>
+                                          <p:attrName>style.visibility</p:attrName>
+                                        </p:attrNameLst>
+                                      </p:cBhvr>
+                                      <p:to>
+                                        <p:strVal val="visible"/>
+                                      </p:to>
+                                    </p:set>
+                                    <p:animEffect transition="in" filter="fade">
+                                      <p:cBhvr>
+                                        <p:cTn id="10" dur="500"/>
+                                        <p:tgtEl>
+                                          <p:spTgt spid="6"/>
+                                        </p:tgtEl>
+                                      </p:cBhvr>
+                                    </p:animEffect>
+                                  </p:childTnLst>
+                                </p:cTn>
+                              </p:par>
+                              <p:par>
+                                <p:cTn id="11" presetID="10" presetClass="entr" presetSubtype="0" fill="hold" grpId="0" nodeType="withEffect">
+                                  <p:stCondLst>
+                                    <p:cond delay="0"/>
+                                  </p:stCondLst>
+                                  <p:childTnLst>
+                                    <p:set>
+                                      <p:cBhvr>
+                                        <p:cTn id="12" dur="1" fill="hold">
+                                          <p:stCondLst>
+                                            <p:cond delay="0"/>
+                                          </p:stCondLst>
+                                        </p:cTn>
+                                        <p:tgtEl>
+                                          <p:spTgt spid="7"/>
+                                        </p:tgtEl>
+                                        <p:attrNameLst>
+                                          <p:attrName>style.visibility</p:attrName>
+                                        </p:attrNameLst>
+                                      </p:cBhvr>
+                                      <p:to>
+                                        <p:strVal val="visible"/>
+                                      </p:to>
+                                    </p:set>
+                                    <p:animEffect transition="in" filter="fade">
+                                      <p:cBhvr>
+                                        <p:cTn id="13" dur="500"/>
+                                        <p:tgtEl>
+                                          <p:spTgt spid="7"/>
+                                        </p:tgtEl>
+                                      </p:cBhvr>
+                                    </p:animEffect>
+                                  </p:childTnLst>
+                                </p:cTn>
+                              </p:par>
+                            </p:childTnLst>
+                          </p:cTn>
+                        </p:par>
+                      </p:childTnLst>
+                    </p:cTn>
+                  </p:par>
+                </p:childTnLst>
+              </p:cTn>
+              <p:prevCondLst>
+                <p:cond evt="onPrev" delay="0">
+                  <p:tgtEl>
+                    <p:sldTgt/>
+                  </p:tgtEl>
+                </p:cond>
+              </p:prevCondLst>
+              <p:nextCondLst>
+                <p:cond evt="onNext" delay="0">
+                  <p:tgtEl>
+                    <p:sldTgt/>
+                  </p:tgtEl>
+                </p:cond>
+              </p:nextCondLst>
+            </p:seq>
+          </p:childTnLst>
+        </p:cTn>
+      </p:par>
+    </p:tnLst>
+    <p:bldLst>
+      <p:bldP spid="2" grpId="0"/>
+      <p:bldP spid="7" grpId="0"/>
+    </p:bldLst>
+  </p:timing>
 </p:sld>
 </file>
 
@@ -14931,6 +17149,89 @@
   <p:clrMapOvr>
     <a:masterClrMapping/>
   </p:clrMapOvr>
+  <p:timing>
+    <p:tnLst>
+      <p:par>
+        <p:cTn id="1" dur="indefinite" restart="never" nodeType="tmRoot">
+          <p:childTnLst>
+            <p:seq concurrent="1" nextAc="seek">
+              <p:cTn id="2" dur="indefinite" nodeType="mainSeq">
+                <p:childTnLst>
+                  <p:par>
+                    <p:cTn id="3" fill="hold">
+                      <p:stCondLst>
+                        <p:cond delay="indefinite"/>
+                      </p:stCondLst>
+                      <p:childTnLst>
+                        <p:par>
+                          <p:cTn id="4" fill="hold">
+                            <p:stCondLst>
+                              <p:cond delay="0"/>
+                            </p:stCondLst>
+                            <p:childTnLst>
+                              <p:par>
+                                <p:cTn id="5" presetID="16" presetClass="entr" presetSubtype="21" fill="hold" nodeType="clickEffect">
+                                  <p:stCondLst>
+                                    <p:cond delay="0"/>
+                                  </p:stCondLst>
+                                  <p:childTnLst>
+                                    <p:set>
+                                      <p:cBhvr>
+                                        <p:cTn id="6" dur="1" fill="hold">
+                                          <p:stCondLst>
+                                            <p:cond delay="0"/>
+                                          </p:stCondLst>
+                                        </p:cTn>
+                                        <p:tgtEl>
+                                          <p:spTgt spid="5"/>
+                                        </p:tgtEl>
+                                        <p:attrNameLst>
+                                          <p:attrName>style.visibility</p:attrName>
+                                        </p:attrNameLst>
+                                      </p:cBhvr>
+                                      <p:to>
+                                        <p:strVal val="visible"/>
+                                      </p:to>
+                                    </p:set>
+                                    <p:animEffect transition="in" filter="barn(inVertical)">
+                                      <p:cBhvr>
+                                        <p:cTn id="7" dur="500"/>
+                                        <p:tgtEl>
+                                          <p:spTgt spid="5"/>
+                                        </p:tgtEl>
+                                      </p:cBhvr>
+                                    </p:animEffect>
+                                  </p:childTnLst>
+                                </p:cTn>
+                              </p:par>
+                            </p:childTnLst>
+                          </p:cTn>
+                        </p:par>
+                      </p:childTnLst>
+                    </p:cTn>
+                  </p:par>
+                </p:childTnLst>
+              </p:cTn>
+              <p:prevCondLst>
+                <p:cond evt="onPrev" delay="0">
+                  <p:tgtEl>
+                    <p:sldTgt/>
+                  </p:tgtEl>
+                </p:cond>
+              </p:prevCondLst>
+              <p:nextCondLst>
+                <p:cond evt="onNext" delay="0">
+                  <p:tgtEl>
+                    <p:sldTgt/>
+                  </p:tgtEl>
+                </p:cond>
+              </p:nextCondLst>
+            </p:seq>
+          </p:childTnLst>
+        </p:cTn>
+      </p:par>
+    </p:tnLst>
+  </p:timing>
 </p:sld>
 </file>
 
@@ -15249,28 +17550,6 @@
               </a:rPr>
               <a:t>Cryptocurrency markets are characterized by significant volatility and are affected by numerous elements. This project aims to create a predictive model capable of delivering precise price predictions, assisting users in refining their trading strategies and make decisions and predict the trends (up/down) and useful insights using past market data, technical indicators and other factors </a:t>
             </a:r>
-          </a:p>
-          <a:p>
-            <a:pPr marL="285750" indent="-285750" algn="just">
-              <a:buFont typeface="Wingdings" panose="05000000000000000000" pitchFamily="2" charset="2"/>
-              <a:buChar char="Ø"/>
-            </a:pPr>
-            <a:endParaRPr lang="en-IN" dirty="0">
-              <a:solidFill>
-                <a:schemeClr val="tx1"/>
-              </a:solidFill>
-            </a:endParaRPr>
-          </a:p>
-          <a:p>
-            <a:pPr marL="285750" indent="-285750" algn="just">
-              <a:buFont typeface="Wingdings" panose="05000000000000000000" pitchFamily="2" charset="2"/>
-              <a:buChar char="Ø"/>
-            </a:pPr>
-            <a:endParaRPr lang="en-US" dirty="0">
-              <a:solidFill>
-                <a:schemeClr val="tx1"/>
-              </a:solidFill>
-            </a:endParaRPr>
           </a:p>
         </p:txBody>
       </p:sp>
@@ -15499,7 +17778,7 @@
           <p:nvPr>
             <p:extLst>
               <p:ext uri="{D42A27DB-BD31-4B8C-83A1-F6EECF244321}">
-                <p14:modId xmlns:p14="http://schemas.microsoft.com/office/powerpoint/2010/main" val="2942796121"/>
+                <p14:modId xmlns:p14="http://schemas.microsoft.com/office/powerpoint/2010/main" val="141218323"/>
               </p:ext>
             </p:extLst>
           </p:nvPr>
@@ -15679,7 +17958,7 @@
                     <a:p>
                       <a:pPr algn="l"/>
                       <a:r>
-                        <a:rPr lang="en-IN">
+                        <a:rPr lang="en-IN" dirty="0">
                           <a:effectLst/>
                         </a:rPr>
                         <a:t>536.09</a:t>
@@ -15695,7 +17974,7 @@
                     <a:p>
                       <a:pPr algn="l"/>
                       <a:r>
-                        <a:rPr lang="en-IN">
+                        <a:rPr lang="en-IN" dirty="0">
                           <a:effectLst/>
                         </a:rPr>
                         <a:t>714.63</a:t>
@@ -15711,7 +17990,7 @@
                     <a:p>
                       <a:pPr algn="l"/>
                       <a:r>
-                        <a:rPr lang="en-IN">
+                        <a:rPr lang="en-IN" dirty="0">
                           <a:effectLst/>
                         </a:rPr>
                         <a:t>97.37%</a:t>
@@ -15766,7 +18045,7 @@
                     <a:p>
                       <a:pPr algn="l"/>
                       <a:r>
-                        <a:rPr lang="en-IN">
+                        <a:rPr lang="en-IN" dirty="0">
                           <a:effectLst/>
                         </a:rPr>
                         <a:t>—</a:t>
@@ -15782,7 +18061,7 @@
                     <a:p>
                       <a:pPr algn="l"/>
                       <a:r>
-                        <a:rPr lang="en-IN">
+                        <a:rPr lang="en-IN" dirty="0">
                           <a:effectLst/>
                         </a:rPr>
                         <a:t>99.13%</a:t>
@@ -15837,7 +18116,7 @@
                     <a:p>
                       <a:pPr algn="l"/>
                       <a:r>
-                        <a:rPr lang="en-IN">
+                        <a:rPr lang="en-IN" dirty="0">
                           <a:effectLst/>
                         </a:rPr>
                         <a:t>1383</a:t>
@@ -15853,7 +18132,7 @@
                     <a:p>
                       <a:pPr algn="l"/>
                       <a:r>
-                        <a:rPr lang="en-IN">
+                        <a:rPr lang="en-IN" dirty="0">
                           <a:effectLst/>
                         </a:rPr>
                         <a:t>97.7%</a:t>
@@ -15953,6 +18232,127 @@
   <p:clrMapOvr>
     <a:masterClrMapping/>
   </p:clrMapOvr>
+  <p:timing>
+    <p:tnLst>
+      <p:par>
+        <p:cTn id="1" dur="indefinite" restart="never" nodeType="tmRoot">
+          <p:childTnLst>
+            <p:seq concurrent="1" nextAc="seek">
+              <p:cTn id="2" dur="indefinite" nodeType="mainSeq">
+                <p:childTnLst>
+                  <p:par>
+                    <p:cTn id="3" fill="hold">
+                      <p:stCondLst>
+                        <p:cond delay="indefinite"/>
+                      </p:stCondLst>
+                      <p:childTnLst>
+                        <p:par>
+                          <p:cTn id="4" fill="hold">
+                            <p:stCondLst>
+                              <p:cond delay="0"/>
+                            </p:stCondLst>
+                            <p:childTnLst>
+                              <p:par>
+                                <p:cTn id="5" presetID="10" presetClass="entr" presetSubtype="0" fill="hold" grpId="0" nodeType="clickEffect">
+                                  <p:stCondLst>
+                                    <p:cond delay="0"/>
+                                  </p:stCondLst>
+                                  <p:childTnLst>
+                                    <p:set>
+                                      <p:cBhvr>
+                                        <p:cTn id="6" dur="1" fill="hold">
+                                          <p:stCondLst>
+                                            <p:cond delay="0"/>
+                                          </p:stCondLst>
+                                        </p:cTn>
+                                        <p:tgtEl>
+                                          <p:spTgt spid="2"/>
+                                        </p:tgtEl>
+                                        <p:attrNameLst>
+                                          <p:attrName>style.visibility</p:attrName>
+                                        </p:attrNameLst>
+                                      </p:cBhvr>
+                                      <p:to>
+                                        <p:strVal val="visible"/>
+                                      </p:to>
+                                    </p:set>
+                                    <p:animEffect transition="in" filter="fade">
+                                      <p:cBhvr>
+                                        <p:cTn id="7" dur="500"/>
+                                        <p:tgtEl>
+                                          <p:spTgt spid="2"/>
+                                        </p:tgtEl>
+                                      </p:cBhvr>
+                                    </p:animEffect>
+                                  </p:childTnLst>
+                                </p:cTn>
+                              </p:par>
+                              <p:par>
+                                <p:cTn id="8" presetID="10" presetClass="entr" presetSubtype="0" fill="hold" nodeType="withEffect">
+                                  <p:stCondLst>
+                                    <p:cond delay="0"/>
+                                  </p:stCondLst>
+                                  <p:childTnLst>
+                                    <p:set>
+                                      <p:cBhvr>
+                                        <p:cTn id="9" dur="1" fill="hold">
+                                          <p:stCondLst>
+                                            <p:cond delay="0"/>
+                                          </p:stCondLst>
+                                        </p:cTn>
+                                        <p:tgtEl>
+                                          <p:spTgt spid="3"/>
+                                        </p:tgtEl>
+                                        <p:attrNameLst>
+                                          <p:attrName>style.visibility</p:attrName>
+                                        </p:attrNameLst>
+                                      </p:cBhvr>
+                                      <p:to>
+                                        <p:strVal val="visible"/>
+                                      </p:to>
+                                    </p:set>
+                                    <p:animEffect transition="in" filter="fade">
+                                      <p:cBhvr>
+                                        <p:cTn id="10" dur="500"/>
+                                        <p:tgtEl>
+                                          <p:spTgt spid="3"/>
+                                        </p:tgtEl>
+                                      </p:cBhvr>
+                                    </p:animEffect>
+                                  </p:childTnLst>
+                                </p:cTn>
+                              </p:par>
+                            </p:childTnLst>
+                          </p:cTn>
+                        </p:par>
+                      </p:childTnLst>
+                    </p:cTn>
+                  </p:par>
+                </p:childTnLst>
+              </p:cTn>
+              <p:prevCondLst>
+                <p:cond evt="onPrev" delay="0">
+                  <p:tgtEl>
+                    <p:sldTgt/>
+                  </p:tgtEl>
+                </p:cond>
+              </p:prevCondLst>
+              <p:nextCondLst>
+                <p:cond evt="onNext" delay="0">
+                  <p:tgtEl>
+                    <p:sldTgt/>
+                  </p:tgtEl>
+                </p:cond>
+              </p:nextCondLst>
+            </p:seq>
+          </p:childTnLst>
+        </p:cTn>
+      </p:par>
+    </p:tnLst>
+    <p:bldLst>
+      <p:bldP spid="2" grpId="0"/>
+    </p:bldLst>
+  </p:timing>
 </p:sld>
 </file>
 
@@ -15989,7 +18389,12 @@
             <p:ph type="title"/>
           </p:nvPr>
         </p:nvSpPr>
-        <p:spPr/>
+        <p:spPr>
+          <a:xfrm>
+            <a:off x="720000" y="294173"/>
+            <a:ext cx="7704000" cy="572700"/>
+          </a:xfrm>
+        </p:spPr>
         <p:txBody>
           <a:bodyPr/>
           <a:lstStyle/>
@@ -16015,8 +18420,8 @@
         </p:nvSpPr>
         <p:spPr>
           <a:xfrm>
-            <a:off x="855133" y="1773876"/>
-            <a:ext cx="7704000" cy="1569660"/>
+            <a:off x="720000" y="1112200"/>
+            <a:ext cx="7704000" cy="3539430"/>
           </a:xfrm>
           <a:prstGeom prst="rect">
             <a:avLst/>
@@ -16028,52 +18433,91 @@
           </a:bodyPr>
           <a:lstStyle/>
           <a:p>
-            <a:pPr marL="285750" indent="-285750" algn="just">
+            <a:pPr marL="285750" lvl="1" indent="-285750" algn="just">
               <a:buClr>
                 <a:schemeClr val="tx1"/>
               </a:buClr>
-              <a:buFont typeface="Arial" panose="020B0604020202020204" pitchFamily="34" charset="0"/>
-              <a:buChar char="•"/>
+              <a:buFont typeface="Wingdings" panose="05000000000000000000" pitchFamily="2" charset="2"/>
+              <a:buChar char="Ø"/>
             </a:pPr>
             <a:r>
               <a:rPr lang="en-US" sz="1600" dirty="0">
                 <a:solidFill>
                   <a:schemeClr val="tx1"/>
                 </a:solidFill>
+                <a:latin typeface="Times New Roman" panose="02020603050405020304" pitchFamily="18" charset="0"/>
+                <a:cs typeface="Times New Roman" panose="02020603050405020304" pitchFamily="18" charset="0"/>
               </a:rPr>
-              <a:t>The predictive models (Random forest and LSTM) have shown excellent performance in forecasting BTC prices meanwhile GRU model has performed well with less computing time and resources. </a:t>
+              <a:t>This project successfully developed a predictive model for cryptocurrency market trends, focusing on Bitcoin price movements. Through advanced EDA, trend analysis, and machine learning, we were able to accurately forecast price directions (up/down) using historical data and technical indicators.</a:t>
             </a:r>
           </a:p>
           <a:p>
-            <a:pPr marL="285750" indent="-285750" algn="just">
+            <a:pPr lvl="1" algn="just">
               <a:buClr>
                 <a:schemeClr val="tx1"/>
               </a:buClr>
-              <a:buFont typeface="Arial" panose="020B0604020202020204" pitchFamily="34" charset="0"/>
-              <a:buChar char="•"/>
+            </a:pPr>
+            <a:endParaRPr lang="en-US" sz="1600" dirty="0">
+              <a:solidFill>
+                <a:schemeClr val="tx1"/>
+              </a:solidFill>
+              <a:latin typeface="Times New Roman" panose="02020603050405020304" pitchFamily="18" charset="0"/>
+              <a:cs typeface="Times New Roman" panose="02020603050405020304" pitchFamily="18" charset="0"/>
+            </a:endParaRPr>
+          </a:p>
+          <a:p>
+            <a:pPr marL="285750" lvl="1" indent="-285750" algn="just">
+              <a:buClr>
+                <a:schemeClr val="tx1"/>
+              </a:buClr>
+              <a:buFont typeface="Wingdings" panose="05000000000000000000" pitchFamily="2" charset="2"/>
+              <a:buChar char="Ø"/>
             </a:pPr>
             <a:r>
               <a:rPr lang="en-US" sz="1600" dirty="0">
                 <a:solidFill>
                   <a:schemeClr val="tx1"/>
                 </a:solidFill>
+                <a:latin typeface="Times New Roman" panose="02020603050405020304" pitchFamily="18" charset="0"/>
+                <a:cs typeface="Times New Roman" panose="02020603050405020304" pitchFamily="18" charset="0"/>
               </a:rPr>
-              <a:t>Random Forest excels in explaining variance and handling price trends, while LSTM effectively predicts short-term price movements with minimal deviation.</a:t>
+              <a:t>By comparing various models, the LSTM network &amp; XGBRegressor stood out, providing the best results for capturing the complex patterns and volatility inherent in the market. This predictive tool empowers traders with better insights, enhancing decision-making and risk management strategies in the ever-changing cryptocurrency space.</a:t>
             </a:r>
           </a:p>
           <a:p>
-            <a:pPr marL="285750" indent="-285750" algn="just">
+            <a:pPr marL="285750" lvl="1" indent="-285750" algn="just">
               <a:buClr>
                 <a:schemeClr val="tx1"/>
               </a:buClr>
-              <a:buFont typeface="Arial" panose="020B0604020202020204" pitchFamily="34" charset="0"/>
-              <a:buChar char="•"/>
+              <a:buFont typeface="Wingdings" panose="05000000000000000000" pitchFamily="2" charset="2"/>
+              <a:buChar char="Ø"/>
             </a:pPr>
             <a:endParaRPr lang="en-US" sz="1600" dirty="0">
               <a:solidFill>
                 <a:schemeClr val="tx1"/>
               </a:solidFill>
+              <a:latin typeface="Times New Roman" panose="02020603050405020304" pitchFamily="18" charset="0"/>
+              <a:cs typeface="Times New Roman" panose="02020603050405020304" pitchFamily="18" charset="0"/>
             </a:endParaRPr>
+          </a:p>
+          <a:p>
+            <a:pPr marL="285750" lvl="1" indent="-285750" algn="just">
+              <a:buClr>
+                <a:schemeClr val="tx1"/>
+              </a:buClr>
+              <a:buFont typeface="Wingdings" panose="05000000000000000000" pitchFamily="2" charset="2"/>
+              <a:buChar char="Ø"/>
+            </a:pPr>
+            <a:r>
+              <a:rPr lang="en-US" sz="1600" dirty="0">
+                <a:solidFill>
+                  <a:schemeClr val="tx1"/>
+                </a:solidFill>
+                <a:latin typeface="Times New Roman" panose="02020603050405020304" pitchFamily="18" charset="0"/>
+                <a:cs typeface="Times New Roman" panose="02020603050405020304" pitchFamily="18" charset="0"/>
+              </a:rPr>
+              <a:t>In essence, this presentation demonstrates the power of data science and machine learning in transforming market analysis, paving the way for smarter, data-driven trading.</a:t>
+            </a:r>
           </a:p>
         </p:txBody>
       </p:sp>
@@ -16213,6 +18657,339 @@
                       </p:childTnLst>
                     </p:cTn>
                   </p:par>
+                  <p:par>
+                    <p:cTn id="13" fill="hold">
+                      <p:stCondLst>
+                        <p:cond delay="indefinite"/>
+                      </p:stCondLst>
+                      <p:childTnLst>
+                        <p:par>
+                          <p:cTn id="14" fill="hold">
+                            <p:stCondLst>
+                              <p:cond delay="0"/>
+                            </p:stCondLst>
+                            <p:childTnLst>
+                              <p:par>
+                                <p:cTn id="15" presetID="42" presetClass="entr" presetSubtype="0" fill="hold" nodeType="clickEffect">
+                                  <p:stCondLst>
+                                    <p:cond delay="0"/>
+                                  </p:stCondLst>
+                                  <p:childTnLst>
+                                    <p:set>
+                                      <p:cBhvr>
+                                        <p:cTn id="16" dur="1" fill="hold">
+                                          <p:stCondLst>
+                                            <p:cond delay="0"/>
+                                          </p:stCondLst>
+                                        </p:cTn>
+                                        <p:tgtEl>
+                                          <p:spTgt spid="3">
+                                            <p:txEl>
+                                              <p:pRg st="0" end="0"/>
+                                            </p:txEl>
+                                          </p:spTgt>
+                                        </p:tgtEl>
+                                        <p:attrNameLst>
+                                          <p:attrName>style.visibility</p:attrName>
+                                        </p:attrNameLst>
+                                      </p:cBhvr>
+                                      <p:to>
+                                        <p:strVal val="visible"/>
+                                      </p:to>
+                                    </p:set>
+                                    <p:animEffect transition="in" filter="fade">
+                                      <p:cBhvr>
+                                        <p:cTn id="17" dur="1000"/>
+                                        <p:tgtEl>
+                                          <p:spTgt spid="3">
+                                            <p:txEl>
+                                              <p:pRg st="0" end="0"/>
+                                            </p:txEl>
+                                          </p:spTgt>
+                                        </p:tgtEl>
+                                      </p:cBhvr>
+                                    </p:animEffect>
+                                    <p:anim calcmode="lin" valueType="num">
+                                      <p:cBhvr>
+                                        <p:cTn id="18" dur="1000" fill="hold"/>
+                                        <p:tgtEl>
+                                          <p:spTgt spid="3">
+                                            <p:txEl>
+                                              <p:pRg st="0" end="0"/>
+                                            </p:txEl>
+                                          </p:spTgt>
+                                        </p:tgtEl>
+                                        <p:attrNameLst>
+                                          <p:attrName>ppt_x</p:attrName>
+                                        </p:attrNameLst>
+                                      </p:cBhvr>
+                                      <p:tavLst>
+                                        <p:tav tm="0">
+                                          <p:val>
+                                            <p:strVal val="#ppt_x"/>
+                                          </p:val>
+                                        </p:tav>
+                                        <p:tav tm="100000">
+                                          <p:val>
+                                            <p:strVal val="#ppt_x"/>
+                                          </p:val>
+                                        </p:tav>
+                                      </p:tavLst>
+                                    </p:anim>
+                                    <p:anim calcmode="lin" valueType="num">
+                                      <p:cBhvr>
+                                        <p:cTn id="19" dur="1000" fill="hold"/>
+                                        <p:tgtEl>
+                                          <p:spTgt spid="3">
+                                            <p:txEl>
+                                              <p:pRg st="0" end="0"/>
+                                            </p:txEl>
+                                          </p:spTgt>
+                                        </p:tgtEl>
+                                        <p:attrNameLst>
+                                          <p:attrName>ppt_y</p:attrName>
+                                        </p:attrNameLst>
+                                      </p:cBhvr>
+                                      <p:tavLst>
+                                        <p:tav tm="0">
+                                          <p:val>
+                                            <p:strVal val="#ppt_y+.1"/>
+                                          </p:val>
+                                        </p:tav>
+                                        <p:tav tm="100000">
+                                          <p:val>
+                                            <p:strVal val="#ppt_y"/>
+                                          </p:val>
+                                        </p:tav>
+                                      </p:tavLst>
+                                    </p:anim>
+                                  </p:childTnLst>
+                                </p:cTn>
+                              </p:par>
+                            </p:childTnLst>
+                          </p:cTn>
+                        </p:par>
+                      </p:childTnLst>
+                    </p:cTn>
+                  </p:par>
+                  <p:par>
+                    <p:cTn id="20" fill="hold">
+                      <p:stCondLst>
+                        <p:cond delay="indefinite"/>
+                      </p:stCondLst>
+                      <p:childTnLst>
+                        <p:par>
+                          <p:cTn id="21" fill="hold">
+                            <p:stCondLst>
+                              <p:cond delay="0"/>
+                            </p:stCondLst>
+                            <p:childTnLst>
+                              <p:par>
+                                <p:cTn id="22" presetID="2" presetClass="entr" presetSubtype="4" fill="hold" nodeType="clickEffect">
+                                  <p:stCondLst>
+                                    <p:cond delay="0"/>
+                                  </p:stCondLst>
+                                  <p:childTnLst>
+                                    <p:set>
+                                      <p:cBhvr>
+                                        <p:cTn id="23" dur="1" fill="hold">
+                                          <p:stCondLst>
+                                            <p:cond delay="0"/>
+                                          </p:stCondLst>
+                                        </p:cTn>
+                                        <p:tgtEl>
+                                          <p:spTgt spid="3">
+                                            <p:txEl>
+                                              <p:pRg st="2" end="2"/>
+                                            </p:txEl>
+                                          </p:spTgt>
+                                        </p:tgtEl>
+                                        <p:attrNameLst>
+                                          <p:attrName>style.visibility</p:attrName>
+                                        </p:attrNameLst>
+                                      </p:cBhvr>
+                                      <p:to>
+                                        <p:strVal val="visible"/>
+                                      </p:to>
+                                    </p:set>
+                                    <p:anim calcmode="lin" valueType="num">
+                                      <p:cBhvr additive="base">
+                                        <p:cTn id="24" dur="500" fill="hold"/>
+                                        <p:tgtEl>
+                                          <p:spTgt spid="3">
+                                            <p:txEl>
+                                              <p:pRg st="2" end="2"/>
+                                            </p:txEl>
+                                          </p:spTgt>
+                                        </p:tgtEl>
+                                        <p:attrNameLst>
+                                          <p:attrName>ppt_x</p:attrName>
+                                        </p:attrNameLst>
+                                      </p:cBhvr>
+                                      <p:tavLst>
+                                        <p:tav tm="0">
+                                          <p:val>
+                                            <p:strVal val="#ppt_x"/>
+                                          </p:val>
+                                        </p:tav>
+                                        <p:tav tm="100000">
+                                          <p:val>
+                                            <p:strVal val="#ppt_x"/>
+                                          </p:val>
+                                        </p:tav>
+                                      </p:tavLst>
+                                    </p:anim>
+                                    <p:anim calcmode="lin" valueType="num">
+                                      <p:cBhvr additive="base">
+                                        <p:cTn id="25" dur="500" fill="hold"/>
+                                        <p:tgtEl>
+                                          <p:spTgt spid="3">
+                                            <p:txEl>
+                                              <p:pRg st="2" end="2"/>
+                                            </p:txEl>
+                                          </p:spTgt>
+                                        </p:tgtEl>
+                                        <p:attrNameLst>
+                                          <p:attrName>ppt_y</p:attrName>
+                                        </p:attrNameLst>
+                                      </p:cBhvr>
+                                      <p:tavLst>
+                                        <p:tav tm="0">
+                                          <p:val>
+                                            <p:strVal val="1+#ppt_h/2"/>
+                                          </p:val>
+                                        </p:tav>
+                                        <p:tav tm="100000">
+                                          <p:val>
+                                            <p:strVal val="#ppt_y"/>
+                                          </p:val>
+                                        </p:tav>
+                                      </p:tavLst>
+                                    </p:anim>
+                                  </p:childTnLst>
+                                </p:cTn>
+                              </p:par>
+                            </p:childTnLst>
+                          </p:cTn>
+                        </p:par>
+                      </p:childTnLst>
+                    </p:cTn>
+                  </p:par>
+                  <p:par>
+                    <p:cTn id="26" fill="hold">
+                      <p:stCondLst>
+                        <p:cond delay="indefinite"/>
+                      </p:stCondLst>
+                      <p:childTnLst>
+                        <p:par>
+                          <p:cTn id="27" fill="hold">
+                            <p:stCondLst>
+                              <p:cond delay="0"/>
+                            </p:stCondLst>
+                            <p:childTnLst>
+                              <p:par>
+                                <p:cTn id="28" presetID="42" presetClass="entr" presetSubtype="0" fill="hold" nodeType="clickEffect">
+                                  <p:stCondLst>
+                                    <p:cond delay="0"/>
+                                  </p:stCondLst>
+                                  <p:childTnLst>
+                                    <p:set>
+                                      <p:cBhvr>
+                                        <p:cTn id="29" dur="1" fill="hold">
+                                          <p:stCondLst>
+                                            <p:cond delay="0"/>
+                                          </p:stCondLst>
+                                        </p:cTn>
+                                        <p:tgtEl>
+                                          <p:spTgt spid="3">
+                                            <p:txEl>
+                                              <p:pRg st="4" end="4"/>
+                                            </p:txEl>
+                                          </p:spTgt>
+                                        </p:tgtEl>
+                                        <p:attrNameLst>
+                                          <p:attrName>style.visibility</p:attrName>
+                                        </p:attrNameLst>
+                                      </p:cBhvr>
+                                      <p:to>
+                                        <p:strVal val="visible"/>
+                                      </p:to>
+                                    </p:set>
+                                    <p:animEffect transition="in" filter="fade">
+                                      <p:cBhvr>
+                                        <p:cTn id="30" dur="1000"/>
+                                        <p:tgtEl>
+                                          <p:spTgt spid="3">
+                                            <p:txEl>
+                                              <p:pRg st="4" end="4"/>
+                                            </p:txEl>
+                                          </p:spTgt>
+                                        </p:tgtEl>
+                                      </p:cBhvr>
+                                    </p:animEffect>
+                                    <p:anim calcmode="lin" valueType="num">
+                                      <p:cBhvr>
+                                        <p:cTn id="31" dur="1000" fill="hold"/>
+                                        <p:tgtEl>
+                                          <p:spTgt spid="3">
+                                            <p:txEl>
+                                              <p:pRg st="4" end="4"/>
+                                            </p:txEl>
+                                          </p:spTgt>
+                                        </p:tgtEl>
+                                        <p:attrNameLst>
+                                          <p:attrName>ppt_x</p:attrName>
+                                        </p:attrNameLst>
+                                      </p:cBhvr>
+                                      <p:tavLst>
+                                        <p:tav tm="0">
+                                          <p:val>
+                                            <p:strVal val="#ppt_x"/>
+                                          </p:val>
+                                        </p:tav>
+                                        <p:tav tm="100000">
+                                          <p:val>
+                                            <p:strVal val="#ppt_x"/>
+                                          </p:val>
+                                        </p:tav>
+                                      </p:tavLst>
+                                    </p:anim>
+                                    <p:anim calcmode="lin" valueType="num">
+                                      <p:cBhvr>
+                                        <p:cTn id="32" dur="1000" fill="hold"/>
+                                        <p:tgtEl>
+                                          <p:spTgt spid="3">
+                                            <p:txEl>
+                                              <p:pRg st="4" end="4"/>
+                                            </p:txEl>
+                                          </p:spTgt>
+                                        </p:tgtEl>
+                                        <p:attrNameLst>
+                                          <p:attrName>ppt_y</p:attrName>
+                                        </p:attrNameLst>
+                                      </p:cBhvr>
+                                      <p:tavLst>
+                                        <p:tav tm="0">
+                                          <p:val>
+                                            <p:strVal val="#ppt_y+.1"/>
+                                          </p:val>
+                                        </p:tav>
+                                        <p:tav tm="100000">
+                                          <p:val>
+                                            <p:strVal val="#ppt_y"/>
+                                          </p:val>
+                                        </p:tav>
+                                      </p:tavLst>
+                                    </p:anim>
+                                  </p:childTnLst>
+                                </p:cTn>
+                              </p:par>
+                            </p:childTnLst>
+                          </p:cTn>
+                        </p:par>
+                      </p:childTnLst>
+                    </p:cTn>
+                  </p:par>
                 </p:childTnLst>
               </p:cTn>
               <p:prevCondLst>
@@ -16243,6 +19020,412 @@
 </file>
 
 <file path=ppt/slides/slide52.xml><?xml version="1.0" encoding="utf-8"?>
+<p:sld xmlns:a="http://schemas.openxmlformats.org/drawingml/2006/main" xmlns:r="http://schemas.openxmlformats.org/officeDocument/2006/relationships" xmlns:p="http://schemas.openxmlformats.org/presentationml/2006/main">
+  <p:cSld>
+    <p:spTree>
+      <p:nvGrpSpPr>
+        <p:cNvPr id="1" name=""/>
+        <p:cNvGrpSpPr/>
+        <p:nvPr/>
+      </p:nvGrpSpPr>
+      <p:grpSpPr>
+        <a:xfrm>
+          <a:off x="0" y="0"/>
+          <a:ext cx="0" cy="0"/>
+          <a:chOff x="0" y="0"/>
+          <a:chExt cx="0" cy="0"/>
+        </a:xfrm>
+      </p:grpSpPr>
+      <p:sp>
+        <p:nvSpPr>
+          <p:cNvPr id="2" name="Title 1">
+            <a:extLst>
+              <a:ext uri="{FF2B5EF4-FFF2-40B4-BE49-F238E27FC236}">
+                <a16:creationId xmlns:a16="http://schemas.microsoft.com/office/drawing/2014/main" id="{E5EEBBA5-3C9B-457C-374A-965CB8E1D9D8}"/>
+              </a:ext>
+            </a:extLst>
+          </p:cNvPr>
+          <p:cNvSpPr>
+            <a:spLocks noGrp="1"/>
+          </p:cNvSpPr>
+          <p:nvPr>
+            <p:ph type="title"/>
+          </p:nvPr>
+        </p:nvSpPr>
+        <p:spPr/>
+        <p:txBody>
+          <a:bodyPr/>
+          <a:lstStyle/>
+          <a:p>
+            <a:r>
+              <a:rPr lang="en-US" dirty="0"/>
+              <a:t>Proposed Enhancement</a:t>
+            </a:r>
+            <a:endParaRPr lang="en-IN" dirty="0"/>
+          </a:p>
+        </p:txBody>
+      </p:sp>
+      <p:sp>
+        <p:nvSpPr>
+          <p:cNvPr id="3" name="TextBox 2">
+            <a:extLst>
+              <a:ext uri="{FF2B5EF4-FFF2-40B4-BE49-F238E27FC236}">
+                <a16:creationId xmlns:a16="http://schemas.microsoft.com/office/drawing/2014/main" id="{BF5C6480-A6BE-FFBC-4195-5F8440B54B2A}"/>
+              </a:ext>
+            </a:extLst>
+          </p:cNvPr>
+          <p:cNvSpPr txBox="1"/>
+          <p:nvPr/>
+        </p:nvSpPr>
+        <p:spPr>
+          <a:xfrm>
+            <a:off x="951570" y="1427356"/>
+            <a:ext cx="7240859" cy="2031325"/>
+          </a:xfrm>
+          <a:prstGeom prst="rect">
+            <a:avLst/>
+          </a:prstGeom>
+          <a:noFill/>
+        </p:spPr>
+        <p:txBody>
+          <a:bodyPr wrap="square" rtlCol="0">
+            <a:spAutoFit/>
+          </a:bodyPr>
+          <a:lstStyle/>
+          <a:p>
+            <a:r>
+              <a:rPr lang="en-US" dirty="0">
+                <a:solidFill>
+                  <a:schemeClr val="tx1"/>
+                </a:solidFill>
+                <a:latin typeface="Times New Roman" panose="02020603050405020304" pitchFamily="18" charset="0"/>
+                <a:ea typeface="Tahoma" panose="020B0604030504040204" pitchFamily="34" charset="0"/>
+                <a:cs typeface="Times New Roman" panose="02020603050405020304" pitchFamily="18" charset="0"/>
+              </a:rPr>
+              <a:t>To further improve the model’s performance and practical usability, several enhancements are suggested. These will help make the predictions more dynamic, accurate, and aligned with real-world trading needs.</a:t>
+            </a:r>
+          </a:p>
+          <a:p>
+            <a:endParaRPr lang="en-US" dirty="0">
+              <a:solidFill>
+                <a:schemeClr val="tx1"/>
+              </a:solidFill>
+              <a:latin typeface="Times New Roman" panose="02020603050405020304" pitchFamily="18" charset="0"/>
+              <a:ea typeface="Tahoma" panose="020B0604030504040204" pitchFamily="34" charset="0"/>
+              <a:cs typeface="Times New Roman" panose="02020603050405020304" pitchFamily="18" charset="0"/>
+            </a:endParaRPr>
+          </a:p>
+          <a:p>
+            <a:pPr marL="285750" indent="-285750">
+              <a:buFont typeface="Wingdings" panose="05000000000000000000" pitchFamily="2" charset="2"/>
+              <a:buChar char="Ø"/>
+            </a:pPr>
+            <a:r>
+              <a:rPr lang="en-US" dirty="0">
+                <a:solidFill>
+                  <a:schemeClr val="tx1"/>
+                </a:solidFill>
+                <a:latin typeface="Times New Roman" panose="02020603050405020304" pitchFamily="18" charset="0"/>
+                <a:ea typeface="Tahoma" panose="020B0604030504040204" pitchFamily="34" charset="0"/>
+                <a:cs typeface="Times New Roman" panose="02020603050405020304" pitchFamily="18" charset="0"/>
+              </a:rPr>
+              <a:t>Multi-Cryptocurrency Forecasting</a:t>
+            </a:r>
+          </a:p>
+          <a:p>
+            <a:pPr marL="285750" indent="-285750">
+              <a:buFont typeface="Wingdings" panose="05000000000000000000" pitchFamily="2" charset="2"/>
+              <a:buChar char="Ø"/>
+            </a:pPr>
+            <a:r>
+              <a:rPr lang="en-US" dirty="0">
+                <a:solidFill>
+                  <a:schemeClr val="tx1"/>
+                </a:solidFill>
+                <a:latin typeface="Times New Roman" panose="02020603050405020304" pitchFamily="18" charset="0"/>
+                <a:ea typeface="Tahoma" panose="020B0604030504040204" pitchFamily="34" charset="0"/>
+                <a:cs typeface="Times New Roman" panose="02020603050405020304" pitchFamily="18" charset="0"/>
+              </a:rPr>
+              <a:t>Live Price prediction</a:t>
+            </a:r>
+          </a:p>
+          <a:p>
+            <a:pPr marL="285750" indent="-285750">
+              <a:buFont typeface="Wingdings" panose="05000000000000000000" pitchFamily="2" charset="2"/>
+              <a:buChar char="Ø"/>
+            </a:pPr>
+            <a:r>
+              <a:rPr lang="en-US" dirty="0">
+                <a:solidFill>
+                  <a:schemeClr val="tx1"/>
+                </a:solidFill>
+                <a:latin typeface="Times New Roman" panose="02020603050405020304" pitchFamily="18" charset="0"/>
+                <a:ea typeface="Tahoma" panose="020B0604030504040204" pitchFamily="34" charset="0"/>
+                <a:cs typeface="Times New Roman" panose="02020603050405020304" pitchFamily="18" charset="0"/>
+              </a:rPr>
+              <a:t>Automated Model Updates</a:t>
+            </a:r>
+          </a:p>
+          <a:p>
+            <a:pPr marL="285750" indent="-285750">
+              <a:buFont typeface="Wingdings" panose="05000000000000000000" pitchFamily="2" charset="2"/>
+              <a:buChar char="Ø"/>
+            </a:pPr>
+            <a:r>
+              <a:rPr lang="en-US" dirty="0">
+                <a:solidFill>
+                  <a:schemeClr val="tx1"/>
+                </a:solidFill>
+                <a:latin typeface="Times New Roman" panose="02020603050405020304" pitchFamily="18" charset="0"/>
+                <a:ea typeface="Tahoma" panose="020B0604030504040204" pitchFamily="34" charset="0"/>
+                <a:cs typeface="Times New Roman" panose="02020603050405020304" pitchFamily="18" charset="0"/>
+              </a:rPr>
+              <a:t>Sentiment analysis and integration</a:t>
+            </a:r>
+          </a:p>
+          <a:p>
+            <a:endParaRPr lang="en-IN" dirty="0">
+              <a:solidFill>
+                <a:schemeClr val="tx1"/>
+              </a:solidFill>
+              <a:latin typeface="Times New Roman" panose="02020603050405020304" pitchFamily="18" charset="0"/>
+              <a:ea typeface="Tahoma" panose="020B0604030504040204" pitchFamily="34" charset="0"/>
+              <a:cs typeface="Times New Roman" panose="02020603050405020304" pitchFamily="18" charset="0"/>
+            </a:endParaRPr>
+          </a:p>
+        </p:txBody>
+      </p:sp>
+    </p:spTree>
+    <p:extLst>
+      <p:ext uri="{BB962C8B-B14F-4D97-AF65-F5344CB8AC3E}">
+        <p14:creationId xmlns:p14="http://schemas.microsoft.com/office/powerpoint/2010/main" val="233133671"/>
+      </p:ext>
+    </p:extLst>
+  </p:cSld>
+  <p:clrMapOvr>
+    <a:masterClrMapping/>
+  </p:clrMapOvr>
+  <p:transition spd="slow">
+    <p:push dir="u"/>
+  </p:transition>
+  <p:timing>
+    <p:tnLst>
+      <p:par>
+        <p:cTn id="1" dur="indefinite" restart="never" nodeType="tmRoot">
+          <p:childTnLst>
+            <p:seq concurrent="1" nextAc="seek">
+              <p:cTn id="2" dur="indefinite" nodeType="mainSeq">
+                <p:childTnLst>
+                  <p:par>
+                    <p:cTn id="3" fill="hold">
+                      <p:stCondLst>
+                        <p:cond delay="indefinite"/>
+                      </p:stCondLst>
+                      <p:childTnLst>
+                        <p:par>
+                          <p:cTn id="4" fill="hold">
+                            <p:stCondLst>
+                              <p:cond delay="0"/>
+                            </p:stCondLst>
+                            <p:childTnLst>
+                              <p:par>
+                                <p:cTn id="5" presetID="42" presetClass="entr" presetSubtype="0" fill="hold" grpId="0" nodeType="clickEffect">
+                                  <p:stCondLst>
+                                    <p:cond delay="0"/>
+                                  </p:stCondLst>
+                                  <p:childTnLst>
+                                    <p:set>
+                                      <p:cBhvr>
+                                        <p:cTn id="6" dur="1" fill="hold">
+                                          <p:stCondLst>
+                                            <p:cond delay="0"/>
+                                          </p:stCondLst>
+                                        </p:cTn>
+                                        <p:tgtEl>
+                                          <p:spTgt spid="2"/>
+                                        </p:tgtEl>
+                                        <p:attrNameLst>
+                                          <p:attrName>style.visibility</p:attrName>
+                                        </p:attrNameLst>
+                                      </p:cBhvr>
+                                      <p:to>
+                                        <p:strVal val="visible"/>
+                                      </p:to>
+                                    </p:set>
+                                    <p:animEffect transition="in" filter="fade">
+                                      <p:cBhvr>
+                                        <p:cTn id="7" dur="1000"/>
+                                        <p:tgtEl>
+                                          <p:spTgt spid="2"/>
+                                        </p:tgtEl>
+                                      </p:cBhvr>
+                                    </p:animEffect>
+                                    <p:anim calcmode="lin" valueType="num">
+                                      <p:cBhvr>
+                                        <p:cTn id="8" dur="1000" fill="hold"/>
+                                        <p:tgtEl>
+                                          <p:spTgt spid="2"/>
+                                        </p:tgtEl>
+                                        <p:attrNameLst>
+                                          <p:attrName>ppt_x</p:attrName>
+                                        </p:attrNameLst>
+                                      </p:cBhvr>
+                                      <p:tavLst>
+                                        <p:tav tm="0">
+                                          <p:val>
+                                            <p:strVal val="#ppt_x"/>
+                                          </p:val>
+                                        </p:tav>
+                                        <p:tav tm="100000">
+                                          <p:val>
+                                            <p:strVal val="#ppt_x"/>
+                                          </p:val>
+                                        </p:tav>
+                                      </p:tavLst>
+                                    </p:anim>
+                                    <p:anim calcmode="lin" valueType="num">
+                                      <p:cBhvr>
+                                        <p:cTn id="9" dur="1000" fill="hold"/>
+                                        <p:tgtEl>
+                                          <p:spTgt spid="2"/>
+                                        </p:tgtEl>
+                                        <p:attrNameLst>
+                                          <p:attrName>ppt_y</p:attrName>
+                                        </p:attrNameLst>
+                                      </p:cBhvr>
+                                      <p:tavLst>
+                                        <p:tav tm="0">
+                                          <p:val>
+                                            <p:strVal val="#ppt_y+.1"/>
+                                          </p:val>
+                                        </p:tav>
+                                        <p:tav tm="100000">
+                                          <p:val>
+                                            <p:strVal val="#ppt_y"/>
+                                          </p:val>
+                                        </p:tav>
+                                      </p:tavLst>
+                                    </p:anim>
+                                  </p:childTnLst>
+                                </p:cTn>
+                              </p:par>
+                              <p:par>
+                                <p:cTn id="10" presetID="42" presetClass="entr" presetSubtype="0" fill="hold" grpId="0" nodeType="withEffect">
+                                  <p:stCondLst>
+                                    <p:cond delay="0"/>
+                                  </p:stCondLst>
+                                  <p:childTnLst>
+                                    <p:set>
+                                      <p:cBhvr>
+                                        <p:cTn id="11" dur="1" fill="hold">
+                                          <p:stCondLst>
+                                            <p:cond delay="0"/>
+                                          </p:stCondLst>
+                                        </p:cTn>
+                                        <p:tgtEl>
+                                          <p:spTgt spid="3"/>
+                                        </p:tgtEl>
+                                        <p:attrNameLst>
+                                          <p:attrName>style.visibility</p:attrName>
+                                        </p:attrNameLst>
+                                      </p:cBhvr>
+                                      <p:to>
+                                        <p:strVal val="visible"/>
+                                      </p:to>
+                                    </p:set>
+                                    <p:animEffect transition="in" filter="fade">
+                                      <p:cBhvr>
+                                        <p:cTn id="12" dur="1000"/>
+                                        <p:tgtEl>
+                                          <p:spTgt spid="3"/>
+                                        </p:tgtEl>
+                                      </p:cBhvr>
+                                    </p:animEffect>
+                                    <p:anim calcmode="lin" valueType="num">
+                                      <p:cBhvr>
+                                        <p:cTn id="13" dur="1000" fill="hold"/>
+                                        <p:tgtEl>
+                                          <p:spTgt spid="3"/>
+                                        </p:tgtEl>
+                                        <p:attrNameLst>
+                                          <p:attrName>ppt_x</p:attrName>
+                                        </p:attrNameLst>
+                                      </p:cBhvr>
+                                      <p:tavLst>
+                                        <p:tav tm="0">
+                                          <p:val>
+                                            <p:strVal val="#ppt_x"/>
+                                          </p:val>
+                                        </p:tav>
+                                        <p:tav tm="100000">
+                                          <p:val>
+                                            <p:strVal val="#ppt_x"/>
+                                          </p:val>
+                                        </p:tav>
+                                      </p:tavLst>
+                                    </p:anim>
+                                    <p:anim calcmode="lin" valueType="num">
+                                      <p:cBhvr>
+                                        <p:cTn id="14" dur="1000" fill="hold"/>
+                                        <p:tgtEl>
+                                          <p:spTgt spid="3"/>
+                                        </p:tgtEl>
+                                        <p:attrNameLst>
+                                          <p:attrName>ppt_y</p:attrName>
+                                        </p:attrNameLst>
+                                      </p:cBhvr>
+                                      <p:tavLst>
+                                        <p:tav tm="0">
+                                          <p:val>
+                                            <p:strVal val="#ppt_y+.1"/>
+                                          </p:val>
+                                        </p:tav>
+                                        <p:tav tm="100000">
+                                          <p:val>
+                                            <p:strVal val="#ppt_y"/>
+                                          </p:val>
+                                        </p:tav>
+                                      </p:tavLst>
+                                    </p:anim>
+                                  </p:childTnLst>
+                                </p:cTn>
+                              </p:par>
+                            </p:childTnLst>
+                          </p:cTn>
+                        </p:par>
+                      </p:childTnLst>
+                    </p:cTn>
+                  </p:par>
+                </p:childTnLst>
+              </p:cTn>
+              <p:prevCondLst>
+                <p:cond evt="onPrev" delay="0">
+                  <p:tgtEl>
+                    <p:sldTgt/>
+                  </p:tgtEl>
+                </p:cond>
+              </p:prevCondLst>
+              <p:nextCondLst>
+                <p:cond evt="onNext" delay="0">
+                  <p:tgtEl>
+                    <p:sldTgt/>
+                  </p:tgtEl>
+                </p:cond>
+              </p:nextCondLst>
+            </p:seq>
+          </p:childTnLst>
+        </p:cTn>
+      </p:par>
+    </p:tnLst>
+    <p:bldLst>
+      <p:bldP spid="2" grpId="0"/>
+      <p:bldP spid="3" grpId="0"/>
+    </p:bldLst>
+  </p:timing>
+</p:sld>
+</file>
+
+<file path=ppt/slides/slide53.xml><?xml version="1.0" encoding="utf-8"?>
 <p:sld xmlns:a="http://schemas.openxmlformats.org/drawingml/2006/main" xmlns:r="http://schemas.openxmlformats.org/officeDocument/2006/relationships" xmlns:p="http://schemas.openxmlformats.org/presentationml/2006/main">
   <p:cSld>
     <p:spTree>
